--- a/packages/introduce/第一节课.pptx
+++ b/packages/introduce/第一节课.pptx
@@ -8,7 +8,7 @@
     <p:notesMasterId r:id="rId4"/>
   </p:notesMasterIdLst>
   <p:handoutMasterIdLst>
-    <p:handoutMasterId r:id="rId23"/>
+    <p:handoutMasterId r:id="rId24"/>
   </p:handoutMasterIdLst>
   <p:sldIdLst>
     <p:sldId id="307" r:id="rId3"/>
@@ -16,20 +16,21 @@
     <p:sldId id="659" r:id="rId6"/>
     <p:sldId id="960" r:id="rId7"/>
     <p:sldId id="961" r:id="rId8"/>
-    <p:sldId id="932" r:id="rId9"/>
-    <p:sldId id="965" r:id="rId10"/>
-    <p:sldId id="962" r:id="rId11"/>
-    <p:sldId id="963" r:id="rId12"/>
-    <p:sldId id="964" r:id="rId13"/>
-    <p:sldId id="968" r:id="rId14"/>
-    <p:sldId id="969" r:id="rId15"/>
-    <p:sldId id="970" r:id="rId16"/>
-    <p:sldId id="540" r:id="rId17"/>
-    <p:sldId id="967" r:id="rId18"/>
-    <p:sldId id="541" r:id="rId19"/>
-    <p:sldId id="315" r:id="rId20"/>
-    <p:sldId id="367" r:id="rId21"/>
-    <p:sldId id="653" r:id="rId22"/>
+    <p:sldId id="972" r:id="rId9"/>
+    <p:sldId id="932" r:id="rId10"/>
+    <p:sldId id="965" r:id="rId11"/>
+    <p:sldId id="962" r:id="rId12"/>
+    <p:sldId id="963" r:id="rId13"/>
+    <p:sldId id="964" r:id="rId14"/>
+    <p:sldId id="968" r:id="rId15"/>
+    <p:sldId id="969" r:id="rId16"/>
+    <p:sldId id="970" r:id="rId17"/>
+    <p:sldId id="540" r:id="rId18"/>
+    <p:sldId id="967" r:id="rId19"/>
+    <p:sldId id="541" r:id="rId20"/>
+    <p:sldId id="315" r:id="rId21"/>
+    <p:sldId id="367" r:id="rId22"/>
+    <p:sldId id="653" r:id="rId23"/>
   </p:sldIdLst>
   <p:sldSz cx="12192000" cy="6858000"/>
   <p:notesSz cx="6858000" cy="9144000"/>
@@ -6589,6 +6590,293 @@
         <p:txBody>
           <a:bodyPr/>
           <a:p>
+            <a:pPr marL="285750" indent="-285750">
+              <a:buFont typeface="Arial" panose="020B0604020202090204" pitchFamily="34" charset="0"/>
+              <a:buChar char="•"/>
+            </a:pPr>
+            <a:r>
+              <a:rPr lang="zh-CN" altLang="en-US"/>
+              <a:t>零基础上手学习</a:t>
+            </a:r>
+            <a:endParaRPr lang="zh-CN" altLang="en-US"/>
+          </a:p>
+          <a:p>
+            <a:pPr marL="285750" indent="-285750">
+              <a:buFont typeface="Arial" panose="020B0604020202090204" pitchFamily="34" charset="0"/>
+              <a:buChar char="•"/>
+            </a:pPr>
+            <a:r>
+              <a:rPr lang="en-US" altLang="zh-CN">
+                <a:sym typeface="+mn-ea"/>
+              </a:rPr>
+              <a:t>掌握如何设计游戏引擎</a:t>
+            </a:r>
+            <a:endParaRPr lang="en-US" altLang="zh-CN">
+              <a:sym typeface="+mn-ea"/>
+            </a:endParaRPr>
+          </a:p>
+          <a:p>
+            <a:pPr marL="285750" indent="-285750">
+              <a:buFont typeface="Arial" panose="020B0604020202090204" pitchFamily="34" charset="0"/>
+              <a:buChar char="•"/>
+            </a:pPr>
+            <a:r>
+              <a:rPr>
+                <a:sym typeface="+mn-ea"/>
+              </a:rPr>
+              <a:t>学习先进的架构设计</a:t>
+            </a:r>
+            <a:endParaRPr lang="zh-CN" altLang="en-US"/>
+          </a:p>
+          <a:p>
+            <a:pPr marL="285750" indent="-285750">
+              <a:buFont typeface="Arial" panose="020B0604020202090204" pitchFamily="34" charset="0"/>
+              <a:buChar char="•"/>
+            </a:pPr>
+            <a:r>
+              <a:t>初步学习</a:t>
+            </a:r>
+            <a:r>
+              <a:rPr lang="en-US" altLang="zh-CN"/>
+              <a:t>WebGPU</a:t>
+            </a:r>
+          </a:p>
+        </p:txBody>
+      </p:sp>
+      <p:sp>
+        <p:nvSpPr>
+          <p:cNvPr id="3" name="标题 2"/>
+          <p:cNvSpPr>
+            <a:spLocks noGrp="1"/>
+          </p:cNvSpPr>
+          <p:nvPr>
+            <p:ph type="title"/>
+          </p:nvPr>
+        </p:nvSpPr>
+        <p:spPr/>
+        <p:txBody>
+          <a:bodyPr/>
+          <a:p>
+            <a:r>
+              <a:rPr lang="zh-CN" altLang="en-US"/>
+              <a:t>学员收益</a:t>
+            </a:r>
+            <a:endParaRPr lang="zh-CN" altLang="en-US"/>
+          </a:p>
+        </p:txBody>
+      </p:sp>
+    </p:spTree>
+    <p:custDataLst>
+      <p:tags r:id="rId1"/>
+    </p:custDataLst>
+  </p:cSld>
+  <p:clrMapOvr>
+    <a:masterClrMapping/>
+  </p:clrMapOvr>
+  <p:timing>
+    <p:tnLst>
+      <p:par>
+        <p:cTn id="1" dur="indefinite" restart="never" nodeType="tmRoot">
+          <p:childTnLst>
+            <p:seq concurrent="1" nextAc="seek">
+              <p:cTn id="2" dur="indefinite" nodeType="mainSeq">
+                <p:childTnLst>
+                  <p:par>
+                    <p:cTn id="3" fill="hold">
+                      <p:stCondLst>
+                        <p:cond delay="indefinite"/>
+                      </p:stCondLst>
+                      <p:childTnLst>
+                        <p:par>
+                          <p:cTn id="4" fill="hold">
+                            <p:stCondLst>
+                              <p:cond delay="0"/>
+                            </p:stCondLst>
+                            <p:childTnLst>
+                              <p:par>
+                                <p:cTn id="5" presetID="1" presetClass="entr" presetSubtype="0" fill="hold" nodeType="clickEffect">
+                                  <p:stCondLst>
+                                    <p:cond delay="0"/>
+                                  </p:stCondLst>
+                                  <p:childTnLst>
+                                    <p:set>
+                                      <p:cBhvr>
+                                        <p:cTn id="6" dur="1" fill="hold">
+                                          <p:stCondLst>
+                                            <p:cond delay="0"/>
+                                          </p:stCondLst>
+                                        </p:cTn>
+                                        <p:tgtEl>
+                                          <p:spTgt spid="2">
+                                            <p:txEl>
+                                              <p:pRg st="1" end="1"/>
+                                            </p:txEl>
+                                          </p:spTgt>
+                                        </p:tgtEl>
+                                        <p:attrNameLst>
+                                          <p:attrName>style.visibility</p:attrName>
+                                        </p:attrNameLst>
+                                      </p:cBhvr>
+                                      <p:to>
+                                        <p:strVal val="visible"/>
+                                      </p:to>
+                                    </p:set>
+                                  </p:childTnLst>
+                                </p:cTn>
+                              </p:par>
+                            </p:childTnLst>
+                          </p:cTn>
+                        </p:par>
+                      </p:childTnLst>
+                    </p:cTn>
+                  </p:par>
+                  <p:par>
+                    <p:cTn id="7" fill="hold">
+                      <p:stCondLst>
+                        <p:cond delay="indefinite"/>
+                      </p:stCondLst>
+                      <p:childTnLst>
+                        <p:par>
+                          <p:cTn id="8" fill="hold">
+                            <p:stCondLst>
+                              <p:cond delay="0"/>
+                            </p:stCondLst>
+                            <p:childTnLst>
+                              <p:par>
+                                <p:cTn id="9" presetID="1" presetClass="entr" presetSubtype="0" fill="hold" nodeType="clickEffect">
+                                  <p:stCondLst>
+                                    <p:cond delay="0"/>
+                                  </p:stCondLst>
+                                  <p:childTnLst>
+                                    <p:set>
+                                      <p:cBhvr>
+                                        <p:cTn id="10" dur="1" fill="hold">
+                                          <p:stCondLst>
+                                            <p:cond delay="0"/>
+                                          </p:stCondLst>
+                                        </p:cTn>
+                                        <p:tgtEl>
+                                          <p:spTgt spid="2">
+                                            <p:txEl>
+                                              <p:pRg st="2" end="2"/>
+                                            </p:txEl>
+                                          </p:spTgt>
+                                        </p:tgtEl>
+                                        <p:attrNameLst>
+                                          <p:attrName>style.visibility</p:attrName>
+                                        </p:attrNameLst>
+                                      </p:cBhvr>
+                                      <p:to>
+                                        <p:strVal val="visible"/>
+                                      </p:to>
+                                    </p:set>
+                                  </p:childTnLst>
+                                </p:cTn>
+                              </p:par>
+                            </p:childTnLst>
+                          </p:cTn>
+                        </p:par>
+                      </p:childTnLst>
+                    </p:cTn>
+                  </p:par>
+                  <p:par>
+                    <p:cTn id="11" fill="hold">
+                      <p:stCondLst>
+                        <p:cond delay="indefinite"/>
+                      </p:stCondLst>
+                      <p:childTnLst>
+                        <p:par>
+                          <p:cTn id="12" fill="hold">
+                            <p:stCondLst>
+                              <p:cond delay="0"/>
+                            </p:stCondLst>
+                            <p:childTnLst>
+                              <p:par>
+                                <p:cTn id="13" presetID="1" presetClass="entr" presetSubtype="0" fill="hold" nodeType="clickEffect">
+                                  <p:stCondLst>
+                                    <p:cond delay="0"/>
+                                  </p:stCondLst>
+                                  <p:childTnLst>
+                                    <p:set>
+                                      <p:cBhvr>
+                                        <p:cTn id="14" dur="1" fill="hold">
+                                          <p:stCondLst>
+                                            <p:cond delay="0"/>
+                                          </p:stCondLst>
+                                        </p:cTn>
+                                        <p:tgtEl>
+                                          <p:spTgt spid="2">
+                                            <p:txEl>
+                                              <p:pRg st="3" end="3"/>
+                                            </p:txEl>
+                                          </p:spTgt>
+                                        </p:tgtEl>
+                                        <p:attrNameLst>
+                                          <p:attrName>style.visibility</p:attrName>
+                                        </p:attrNameLst>
+                                      </p:cBhvr>
+                                      <p:to>
+                                        <p:strVal val="visible"/>
+                                      </p:to>
+                                    </p:set>
+                                  </p:childTnLst>
+                                </p:cTn>
+                              </p:par>
+                            </p:childTnLst>
+                          </p:cTn>
+                        </p:par>
+                      </p:childTnLst>
+                    </p:cTn>
+                  </p:par>
+                </p:childTnLst>
+              </p:cTn>
+              <p:prevCondLst>
+                <p:cond evt="onPrev" delay="0">
+                  <p:tgtEl>
+                    <p:sldTgt/>
+                  </p:tgtEl>
+                </p:cond>
+              </p:prevCondLst>
+              <p:nextCondLst>
+                <p:cond evt="onNext" delay="0">
+                  <p:tgtEl>
+                    <p:sldTgt/>
+                  </p:tgtEl>
+                </p:cond>
+              </p:nextCondLst>
+            </p:seq>
+          </p:childTnLst>
+        </p:cTn>
+      </p:par>
+    </p:tnLst>
+  </p:timing>
+</p:sld>
+</file>
+
+<file path=ppt/slides/slide11.xml><?xml version="1.0" encoding="utf-8"?>
+<p:sld xmlns:a="http://schemas.openxmlformats.org/drawingml/2006/main" xmlns:r="http://schemas.openxmlformats.org/officeDocument/2006/relationships" xmlns:p="http://schemas.openxmlformats.org/presentationml/2006/main">
+  <p:cSld>
+    <p:spTree>
+      <p:nvGrpSpPr>
+        <p:cNvPr id="1" name=""/>
+        <p:cNvGrpSpPr/>
+        <p:nvPr/>
+      </p:nvGrpSpPr>
+      <p:grpSpPr/>
+      <p:sp>
+        <p:nvSpPr>
+          <p:cNvPr id="2" name="文本占位符 1"/>
+          <p:cNvSpPr>
+            <a:spLocks noGrp="1"/>
+          </p:cNvSpPr>
+          <p:nvPr>
+            <p:ph type="body" idx="1"/>
+          </p:nvPr>
+        </p:nvSpPr>
+        <p:spPr/>
+        <p:txBody>
+          <a:bodyPr/>
+          <a:p>
             <a:r>
               <a:rPr lang="zh-CN" altLang="en-US"/>
               <a:t>一、设计准备</a:t>
@@ -6898,7 +7186,7 @@
 </p:sld>
 </file>
 
-<file path=ppt/slides/slide11.xml><?xml version="1.0" encoding="utf-8"?>
+<file path=ppt/slides/slide12.xml><?xml version="1.0" encoding="utf-8"?>
 <p:sld xmlns:a="http://schemas.openxmlformats.org/drawingml/2006/main" xmlns:r="http://schemas.openxmlformats.org/officeDocument/2006/relationships" xmlns:p="http://schemas.openxmlformats.org/presentationml/2006/main">
   <p:cSld>
     <p:spTree>
@@ -7121,7 +7409,7 @@
 </p:sld>
 </file>
 
-<file path=ppt/slides/slide12.xml><?xml version="1.0" encoding="utf-8"?>
+<file path=ppt/slides/slide13.xml><?xml version="1.0" encoding="utf-8"?>
 <p:sld xmlns:a="http://schemas.openxmlformats.org/drawingml/2006/main" xmlns:r="http://schemas.openxmlformats.org/officeDocument/2006/relationships" xmlns:p="http://schemas.openxmlformats.org/presentationml/2006/main">
   <p:cSld>
     <p:spTree>
@@ -7267,7 +7555,7 @@
               <a:rPr>
                 <a:sym typeface="+mn-ea"/>
               </a:rPr>
-              <a:t>支持次世代</a:t>
+              <a:t>支持各种算法和功能，从而实现次世代</a:t>
             </a:r>
             <a:r>
               <a:rPr lang="en-US" altLang="zh-CN">
@@ -7592,7 +7880,7 @@
 </p:sld>
 </file>
 
-<file path=ppt/slides/slide13.xml><?xml version="1.0" encoding="utf-8"?>
+<file path=ppt/slides/slide14.xml><?xml version="1.0" encoding="utf-8"?>
 <p:sld xmlns:a="http://schemas.openxmlformats.org/drawingml/2006/main" xmlns:r="http://schemas.openxmlformats.org/officeDocument/2006/relationships" xmlns:p="http://schemas.openxmlformats.org/presentationml/2006/main">
   <p:cSld>
     <p:spTree>
@@ -7751,47 +8039,6 @@
 </p:sld>
 </file>
 
-<file path=ppt/slides/slide14.xml><?xml version="1.0" encoding="utf-8"?>
-<p:sld xmlns:a="http://schemas.openxmlformats.org/drawingml/2006/main" xmlns:r="http://schemas.openxmlformats.org/officeDocument/2006/relationships" xmlns:p="http://schemas.openxmlformats.org/presentationml/2006/main">
-  <p:cSld>
-    <p:spTree>
-      <p:nvGrpSpPr>
-        <p:cNvPr id="1" name=""/>
-        <p:cNvGrpSpPr/>
-        <p:nvPr/>
-      </p:nvGrpSpPr>
-      <p:grpSpPr/>
-      <p:sp>
-        <p:nvSpPr>
-          <p:cNvPr id="2" name="标题 1"/>
-          <p:cNvSpPr>
-            <a:spLocks noGrp="1"/>
-          </p:cNvSpPr>
-          <p:nvPr>
-            <p:ph type="title"/>
-          </p:nvPr>
-        </p:nvSpPr>
-        <p:spPr/>
-        <p:txBody>
-          <a:bodyPr/>
-          <a:p>
-            <a:r>
-              <a:t>学生提问考老师</a:t>
-            </a:r>
-          </a:p>
-        </p:txBody>
-      </p:sp>
-    </p:spTree>
-    <p:custDataLst>
-      <p:tags r:id="rId1"/>
-    </p:custDataLst>
-  </p:cSld>
-  <p:clrMapOvr>
-    <a:masterClrMapping/>
-  </p:clrMapOvr>
-</p:sld>
-</file>
-
 <file path=ppt/slides/slide15.xml><?xml version="1.0" encoding="utf-8"?>
 <p:sld xmlns:a="http://schemas.openxmlformats.org/drawingml/2006/main" xmlns:r="http://schemas.openxmlformats.org/officeDocument/2006/relationships" xmlns:p="http://schemas.openxmlformats.org/presentationml/2006/main">
   <p:cSld>
@@ -7804,25 +8051,7 @@
       <p:grpSpPr/>
       <p:sp>
         <p:nvSpPr>
-          <p:cNvPr id="2" name="文本占位符 1"/>
-          <p:cNvSpPr>
-            <a:spLocks noGrp="1"/>
-          </p:cNvSpPr>
-          <p:nvPr>
-            <p:ph type="body" idx="1"/>
-          </p:nvPr>
-        </p:nvSpPr>
-        <p:spPr/>
-        <p:txBody>
-          <a:bodyPr/>
-          <a:p>
-            <a:endParaRPr lang="zh-CN" altLang="en-US"/>
-          </a:p>
-        </p:txBody>
-      </p:sp>
-      <p:sp>
-        <p:nvSpPr>
-          <p:cNvPr id="3" name="标题 2"/>
+          <p:cNvPr id="2" name="标题 1"/>
           <p:cNvSpPr>
             <a:spLocks noGrp="1"/>
           </p:cNvSpPr>
@@ -7835,10 +8064,8 @@
           <a:bodyPr/>
           <a:p>
             <a:r>
-              <a:rPr lang="zh-CN" altLang="en-US"/>
               <a:t>学生提问考老师</a:t>
             </a:r>
-            <a:endParaRPr lang="zh-CN" altLang="en-US"/>
           </a:p>
         </p:txBody>
       </p:sp>
@@ -7865,7 +8092,25 @@
       <p:grpSpPr/>
       <p:sp>
         <p:nvSpPr>
-          <p:cNvPr id="2" name="标题 1"/>
+          <p:cNvPr id="2" name="文本占位符 1"/>
+          <p:cNvSpPr>
+            <a:spLocks noGrp="1"/>
+          </p:cNvSpPr>
+          <p:nvPr>
+            <p:ph type="body" idx="1"/>
+          </p:nvPr>
+        </p:nvSpPr>
+        <p:spPr/>
+        <p:txBody>
+          <a:bodyPr/>
+          <a:p>
+            <a:endParaRPr lang="zh-CN" altLang="en-US"/>
+          </a:p>
+        </p:txBody>
+      </p:sp>
+      <p:sp>
+        <p:nvSpPr>
+          <p:cNvPr id="3" name="标题 2"/>
           <p:cNvSpPr>
             <a:spLocks noGrp="1"/>
           </p:cNvSpPr>
@@ -7878,8 +8123,10 @@
           <a:bodyPr/>
           <a:p>
             <a:r>
-              <a:t>老师提问考学生</a:t>
-            </a:r>
+              <a:rPr lang="zh-CN" altLang="en-US"/>
+              <a:t>学生提问考老师</a:t>
+            </a:r>
+            <a:endParaRPr lang="zh-CN" altLang="en-US"/>
           </a:p>
         </p:txBody>
       </p:sp>
@@ -7906,72 +8153,27 @@
       <p:grpSpPr/>
       <p:sp>
         <p:nvSpPr>
-          <p:cNvPr id="2" name="文本占位符 1"/>
+          <p:cNvPr id="2" name="标题 1"/>
           <p:cNvSpPr>
             <a:spLocks noGrp="1"/>
           </p:cNvSpPr>
           <p:nvPr>
-            <p:ph type="body" idx="1"/>
+            <p:ph type="title"/>
           </p:nvPr>
         </p:nvSpPr>
         <p:spPr/>
         <p:txBody>
           <a:bodyPr/>
           <a:p>
-            <a:pPr marL="285750" indent="-285750">
-              <a:buFont typeface="Arial" panose="020B0604020202090204" pitchFamily="34" charset="0"/>
-              <a:buChar char="•"/>
-            </a:pPr>
-            <a:r>
-              <a:rPr>
-                <a:sym typeface="+mn-ea"/>
-                <a:hlinkClick r:id="rId1" tooltip="" action="ppaction://hlinkfile"/>
-              </a:rPr>
-              <a:t>《游戏编程模式》</a:t>
-            </a:r>
-            <a:endParaRPr>
-              <a:sym typeface="+mn-ea"/>
-              <a:hlinkClick r:id="rId1" tooltip="" action="ppaction://hlinkfile"/>
-            </a:endParaRPr>
-          </a:p>
-          <a:p>
-            <a:pPr marL="285750" indent="-285750">
-              <a:buFont typeface="Arial" panose="020B0604020202090204" pitchFamily="34" charset="0"/>
-              <a:buChar char="•"/>
-            </a:pPr>
-            <a:r>
-              <a:rPr>
-                <a:sym typeface="+mn-ea"/>
-                <a:hlinkClick r:id="rId2" tooltip="" action="ppaction://hlinkfile"/>
-              </a:rPr>
-              <a:t>WebGPU学习</a:t>
-            </a:r>
-            <a:endParaRPr>
-              <a:sym typeface="+mn-ea"/>
-              <a:hlinkClick r:id="rId2" tooltip="" action="ppaction://hlinkfile"/>
-            </a:endParaRPr>
-          </a:p>
-          <a:p>
-            <a:pPr marL="285750" indent="-285750">
-              <a:buFont typeface="Arial" panose="020B0604020202090204" pitchFamily="34" charset="0"/>
-              <a:buChar char="•"/>
-            </a:pPr>
-            <a:r>
-              <a:rPr>
-                <a:sym typeface="+mn-ea"/>
-                <a:hlinkClick r:id="rId3" action="ppaction://hlinkfile"/>
-              </a:rPr>
-              <a:t>“路径追踪渲染器零基础实战开发”</a:t>
-            </a:r>
-            <a:endParaRPr>
-              <a:sym typeface="+mn-ea"/>
-            </a:endParaRPr>
+            <a:r>
+              <a:t>老师提问考学生</a:t>
+            </a:r>
           </a:p>
         </p:txBody>
       </p:sp>
     </p:spTree>
     <p:custDataLst>
-      <p:tags r:id="rId4"/>
+      <p:tags r:id="rId1"/>
     </p:custDataLst>
   </p:cSld>
   <p:clrMapOvr>
@@ -8009,6 +8211,92 @@
               <a:buChar char="•"/>
             </a:pPr>
             <a:r>
+              <a:rPr>
+                <a:sym typeface="+mn-ea"/>
+                <a:hlinkClick r:id="rId1" tooltip="" action="ppaction://hlinkfile"/>
+              </a:rPr>
+              <a:t>《游戏编程模式》</a:t>
+            </a:r>
+            <a:endParaRPr>
+              <a:sym typeface="+mn-ea"/>
+              <a:hlinkClick r:id="rId1" tooltip="" action="ppaction://hlinkfile"/>
+            </a:endParaRPr>
+          </a:p>
+          <a:p>
+            <a:pPr marL="285750" indent="-285750">
+              <a:buFont typeface="Arial" panose="020B0604020202090204" pitchFamily="34" charset="0"/>
+              <a:buChar char="•"/>
+            </a:pPr>
+            <a:r>
+              <a:rPr>
+                <a:sym typeface="+mn-ea"/>
+                <a:hlinkClick r:id="rId2" tooltip="" action="ppaction://hlinkfile"/>
+              </a:rPr>
+              <a:t>WebGPU学习</a:t>
+            </a:r>
+            <a:endParaRPr>
+              <a:sym typeface="+mn-ea"/>
+              <a:hlinkClick r:id="rId2" tooltip="" action="ppaction://hlinkfile"/>
+            </a:endParaRPr>
+          </a:p>
+          <a:p>
+            <a:pPr marL="285750" indent="-285750">
+              <a:buFont typeface="Arial" panose="020B0604020202090204" pitchFamily="34" charset="0"/>
+              <a:buChar char="•"/>
+            </a:pPr>
+            <a:r>
+              <a:rPr>
+                <a:sym typeface="+mn-ea"/>
+                <a:hlinkClick r:id="rId3" action="ppaction://hlinkfile"/>
+              </a:rPr>
+              <a:t>“路径追踪渲染器零基础实战开发”</a:t>
+            </a:r>
+            <a:endParaRPr>
+              <a:sym typeface="+mn-ea"/>
+            </a:endParaRPr>
+          </a:p>
+        </p:txBody>
+      </p:sp>
+    </p:spTree>
+    <p:custDataLst>
+      <p:tags r:id="rId4"/>
+    </p:custDataLst>
+  </p:cSld>
+  <p:clrMapOvr>
+    <a:masterClrMapping/>
+  </p:clrMapOvr>
+</p:sld>
+</file>
+
+<file path=ppt/slides/slide19.xml><?xml version="1.0" encoding="utf-8"?>
+<p:sld xmlns:a="http://schemas.openxmlformats.org/drawingml/2006/main" xmlns:r="http://schemas.openxmlformats.org/officeDocument/2006/relationships" xmlns:p="http://schemas.openxmlformats.org/presentationml/2006/main">
+  <p:cSld>
+    <p:spTree>
+      <p:nvGrpSpPr>
+        <p:cNvPr id="1" name=""/>
+        <p:cNvGrpSpPr/>
+        <p:nvPr/>
+      </p:nvGrpSpPr>
+      <p:grpSpPr/>
+      <p:sp>
+        <p:nvSpPr>
+          <p:cNvPr id="2" name="文本占位符 1"/>
+          <p:cNvSpPr>
+            <a:spLocks noGrp="1"/>
+          </p:cNvSpPr>
+          <p:nvPr>
+            <p:ph type="body" idx="1"/>
+          </p:nvPr>
+        </p:nvSpPr>
+        <p:spPr/>
+        <p:txBody>
+          <a:bodyPr/>
+          <a:p>
+            <a:pPr marL="285750" indent="-285750">
+              <a:buFont typeface="Arial" panose="020B0604020202090204" pitchFamily="34" charset="0"/>
+              <a:buChar char="•"/>
+            </a:pPr>
+            <a:r>
               <a:t>设计原则</a:t>
             </a:r>
           </a:p>
@@ -8047,7 +8335,55 @@
 </p:sld>
 </file>
 
-<file path=ppt/slides/slide19.xml><?xml version="1.0" encoding="utf-8"?>
+<file path=ppt/slides/slide2.xml><?xml version="1.0" encoding="utf-8"?>
+<p:sld xmlns:a="http://schemas.openxmlformats.org/drawingml/2006/main" xmlns:r="http://schemas.openxmlformats.org/officeDocument/2006/relationships" xmlns:p="http://schemas.openxmlformats.org/presentationml/2006/main">
+  <p:cSld>
+    <p:spTree>
+      <p:nvGrpSpPr>
+        <p:cNvPr id="1" name=""/>
+        <p:cNvGrpSpPr/>
+        <p:nvPr/>
+      </p:nvGrpSpPr>
+      <p:grpSpPr/>
+      <p:sp>
+        <p:nvSpPr>
+          <p:cNvPr id="2" name="标题 1"/>
+          <p:cNvSpPr>
+            <a:spLocks noGrp="1"/>
+          </p:cNvSpPr>
+          <p:nvPr>
+            <p:ph type="title"/>
+          </p:nvPr>
+        </p:nvSpPr>
+        <p:spPr>
+          <a:xfrm>
+            <a:off x="669882" y="2108221"/>
+            <a:ext cx="10852237" cy="899167"/>
+          </a:xfrm>
+        </p:spPr>
+        <p:txBody>
+          <a:bodyPr/>
+          <a:p>
+            <a:r>
+              <a:rPr lang="zh-CN" altLang="en-US"/>
+              <a:t>第一节课：课程介绍</a:t>
+            </a:r>
+            <a:endParaRPr lang="zh-CN" altLang="en-US"/>
+          </a:p>
+        </p:txBody>
+      </p:sp>
+    </p:spTree>
+    <p:custDataLst>
+      <p:tags r:id="rId1"/>
+    </p:custDataLst>
+  </p:cSld>
+  <p:clrMapOvr>
+    <a:masterClrMapping/>
+  </p:clrMapOvr>
+</p:sld>
+</file>
+
+<file path=ppt/slides/slide20.xml><?xml version="1.0" encoding="utf-8"?>
 <p:sld xmlns:a="http://schemas.openxmlformats.org/drawingml/2006/main" xmlns:r="http://schemas.openxmlformats.org/officeDocument/2006/relationships" xmlns:p="http://schemas.openxmlformats.org/presentationml/2006/main">
   <p:cSld>
     <p:spTree>
@@ -8068,54 +8404,6 @@
 </p:sld>
 </file>
 
-<file path=ppt/slides/slide2.xml><?xml version="1.0" encoding="utf-8"?>
-<p:sld xmlns:a="http://schemas.openxmlformats.org/drawingml/2006/main" xmlns:r="http://schemas.openxmlformats.org/officeDocument/2006/relationships" xmlns:p="http://schemas.openxmlformats.org/presentationml/2006/main">
-  <p:cSld>
-    <p:spTree>
-      <p:nvGrpSpPr>
-        <p:cNvPr id="1" name=""/>
-        <p:cNvGrpSpPr/>
-        <p:nvPr/>
-      </p:nvGrpSpPr>
-      <p:grpSpPr/>
-      <p:sp>
-        <p:nvSpPr>
-          <p:cNvPr id="2" name="标题 1"/>
-          <p:cNvSpPr>
-            <a:spLocks noGrp="1"/>
-          </p:cNvSpPr>
-          <p:nvPr>
-            <p:ph type="title"/>
-          </p:nvPr>
-        </p:nvSpPr>
-        <p:spPr>
-          <a:xfrm>
-            <a:off x="669882" y="2108221"/>
-            <a:ext cx="10852237" cy="899167"/>
-          </a:xfrm>
-        </p:spPr>
-        <p:txBody>
-          <a:bodyPr/>
-          <a:p>
-            <a:r>
-              <a:rPr lang="zh-CN" altLang="en-US"/>
-              <a:t>第一节课：课程介绍</a:t>
-            </a:r>
-            <a:endParaRPr lang="zh-CN" altLang="en-US"/>
-          </a:p>
-        </p:txBody>
-      </p:sp>
-    </p:spTree>
-    <p:custDataLst>
-      <p:tags r:id="rId1"/>
-    </p:custDataLst>
-  </p:cSld>
-  <p:clrMapOvr>
-    <a:masterClrMapping/>
-  </p:clrMapOvr>
-</p:sld>
-</file>
-
 <file path=ppt/slides/slide3.xml><?xml version="1.0" encoding="utf-8"?>
 <p:sld xmlns:a="http://schemas.openxmlformats.org/drawingml/2006/main" xmlns:r="http://schemas.openxmlformats.org/officeDocument/2006/relationships" xmlns:p="http://schemas.openxmlformats.org/presentationml/2006/main">
   <p:cSld>
@@ -8174,6 +8462,45 @@
             </a:pPr>
             <a:r>
               <a:rPr>
+                <a:sym typeface="+mn-ea"/>
+              </a:rPr>
+              <a:t>使用</a:t>
+            </a:r>
+            <a:r>
+              <a:rPr lang="en-US" altLang="zh-CN">
+                <a:sym typeface="+mn-ea"/>
+              </a:rPr>
+              <a:t>“</a:t>
+            </a:r>
+            <a:r>
+              <a:rPr>
+                <a:sym typeface="+mn-ea"/>
+              </a:rPr>
+              <a:t>学本式教学</a:t>
+            </a:r>
+            <a:r>
+              <a:rPr lang="en-US" altLang="zh-CN">
+                <a:sym typeface="+mn-ea"/>
+              </a:rPr>
+              <a:t>”</a:t>
+            </a:r>
+            <a:r>
+              <a:rPr>
+                <a:sym typeface="+mn-ea"/>
+              </a:rPr>
+              <a:t>的方法来讲课</a:t>
+            </a:r>
+            <a:endParaRPr>
+              <a:sym typeface="+mn-ea"/>
+            </a:endParaRPr>
+          </a:p>
+          <a:p>
+            <a:pPr marL="285750" indent="-285750">
+              <a:buFont typeface="Arial" panose="020B0604020202090204" pitchFamily="34" charset="0"/>
+              <a:buChar char="•"/>
+            </a:pPr>
+            <a:r>
+              <a:rPr>
                 <a:latin typeface="+mj-ea"/>
                 <a:cs typeface="+mj-ea"/>
                 <a:sym typeface="+mn-ea"/>
@@ -8220,7 +8547,9 @@
               </a:rPr>
               <a:t>技术栈</a:t>
             </a:r>
-            <a:endParaRPr lang="zh-CN" altLang="en-US"/>
+            <a:endParaRPr>
+              <a:sym typeface="+mn-ea"/>
+            </a:endParaRPr>
           </a:p>
           <a:p>
             <a:pPr marL="285750" indent="-285750">
@@ -9014,7 +9343,7 @@
         <p:spPr>
           <a:xfrm>
             <a:off x="7727950" y="3145790"/>
-            <a:ext cx="3643630" cy="1476375"/>
+            <a:ext cx="3643630" cy="2030095"/>
           </a:xfrm>
           <a:prstGeom prst="rect">
             <a:avLst/>
@@ -9051,7 +9380,19 @@
             </a:pPr>
             <a:r>
               <a:rPr lang="zh-CN" altLang="en-US"/>
-              <a:t>基础架构的设计思想具有独创性，创造性地应用了函数式编程范式</a:t>
+              <a:t>使用了最新的</a:t>
+            </a:r>
+            <a:r>
+              <a:rPr lang="zh-CN" altLang="en-US">
+                <a:sym typeface="+mn-ea"/>
+              </a:rPr>
+              <a:t>基础架构设计思想，比如</a:t>
+            </a:r>
+            <a:r>
+              <a:rPr lang="en-US" altLang="zh-CN">
+                <a:sym typeface="+mn-ea"/>
+              </a:rPr>
+              <a:t>ECS</a:t>
             </a:r>
             <a:endParaRPr lang="zh-CN" altLang="en-US"/>
           </a:p>
@@ -9062,7 +9403,18 @@
             </a:pPr>
             <a:r>
               <a:rPr lang="zh-CN" altLang="en-US"/>
-              <a:t>基础架构足够先进</a:t>
+              <a:t>基础架构的设计思想比较创新，例如创造性地应用了函数式编程范式</a:t>
+            </a:r>
+            <a:endParaRPr lang="zh-CN" altLang="en-US"/>
+          </a:p>
+          <a:p>
+            <a:pPr marL="285750" indent="-285750">
+              <a:buFont typeface="Arial" panose="020B0604020202090204" pitchFamily="34" charset="0"/>
+              <a:buChar char="•"/>
+            </a:pPr>
+            <a:r>
+              <a:rPr lang="zh-CN" altLang="en-US"/>
+              <a:t>基础架构比较先进</a:t>
             </a:r>
             <a:endParaRPr lang="zh-CN" altLang="en-US"/>
           </a:p>
@@ -9306,9 +9658,9 @@
                                           </p:stCondLst>
                                         </p:cTn>
                                         <p:tgtEl>
-                                          <p:spTgt spid="2">
+                                          <p:spTgt spid="6">
                                             <p:txEl>
-                                              <p:pRg st="2" end="2"/>
+                                              <p:pRg st="3" end="3"/>
                                             </p:txEl>
                                           </p:spTgt>
                                         </p:tgtEl>
@@ -9350,6 +9702,55 @@
                                     <p:set>
                                       <p:cBhvr>
                                         <p:cTn id="26" dur="1" fill="hold">
+                                          <p:stCondLst>
+                                            <p:cond delay="0"/>
+                                          </p:stCondLst>
+                                        </p:cTn>
+                                        <p:tgtEl>
+                                          <p:spTgt spid="2">
+                                            <p:txEl>
+                                              <p:pRg st="2" end="2"/>
+                                            </p:txEl>
+                                          </p:spTgt>
+                                        </p:tgtEl>
+                                        <p:attrNameLst>
+                                          <p:attrName>style.visibility</p:attrName>
+                                        </p:attrNameLst>
+                                      </p:cBhvr>
+                                      <p:to>
+                                        <p:strVal val="visible"/>
+                                      </p:to>
+                                    </p:set>
+                                  </p:childTnLst>
+                                </p:cTn>
+                              </p:par>
+                            </p:childTnLst>
+                          </p:cTn>
+                        </p:par>
+                      </p:childTnLst>
+                    </p:cTn>
+                  </p:par>
+                  <p:par>
+                    <p:cTn id="27" fill="hold">
+                      <p:stCondLst>
+                        <p:cond delay="indefinite"/>
+                      </p:stCondLst>
+                      <p:childTnLst>
+                        <p:par>
+                          <p:cTn id="28" fill="hold">
+                            <p:stCondLst>
+                              <p:cond delay="0"/>
+                            </p:stCondLst>
+                            <p:childTnLst>
+                              <p:par>
+                                <p:cTn id="29" presetID="1" presetClass="entr" presetSubtype="0" fill="hold" nodeType="clickEffect">
+                                  <p:stCondLst>
+                                    <p:cond delay="0"/>
+                                  </p:stCondLst>
+                                  <p:childTnLst>
+                                    <p:set>
+                                      <p:cBhvr>
+                                        <p:cTn id="30" dur="1" fill="hold">
                                           <p:stCondLst>
                                             <p:cond delay="0"/>
                                           </p:stCondLst>
@@ -9400,6 +9801,261 @@
 </file>
 
 <file path=ppt/slides/slide6.xml><?xml version="1.0" encoding="utf-8"?>
+<p:sld xmlns:a="http://schemas.openxmlformats.org/drawingml/2006/main" xmlns:r="http://schemas.openxmlformats.org/officeDocument/2006/relationships" xmlns:p="http://schemas.openxmlformats.org/presentationml/2006/main">
+  <p:cSld>
+    <p:spTree>
+      <p:nvGrpSpPr>
+        <p:cNvPr id="1" name=""/>
+        <p:cNvGrpSpPr/>
+        <p:nvPr/>
+      </p:nvGrpSpPr>
+      <p:grpSpPr/>
+      <p:sp>
+        <p:nvSpPr>
+          <p:cNvPr id="2" name="文本占位符 1"/>
+          <p:cNvSpPr>
+            <a:spLocks noGrp="1"/>
+          </p:cNvSpPr>
+          <p:nvPr>
+            <p:ph type="body" idx="1"/>
+          </p:nvPr>
+        </p:nvSpPr>
+        <p:spPr/>
+        <p:txBody>
+          <a:bodyPr/>
+          <a:p>
+            <a:pPr marL="285750" indent="-285750">
+              <a:buFont typeface="Arial" panose="020B0604020202090204" pitchFamily="34" charset="0"/>
+              <a:buChar char="•"/>
+            </a:pPr>
+            <a:r>
+              <a:rPr lang="zh-CN" altLang="en-US"/>
+              <a:t>“教本式教学”有哪些问题</a:t>
+            </a:r>
+            <a:r>
+              <a:rPr lang="en-US" altLang="zh-CN"/>
+              <a:t>?</a:t>
+            </a:r>
+            <a:endParaRPr lang="zh-CN" altLang="en-US"/>
+          </a:p>
+          <a:p>
+            <a:pPr marL="285750" indent="-285750">
+              <a:buFont typeface="Arial" panose="020B0604020202090204" pitchFamily="34" charset="0"/>
+              <a:buChar char="•"/>
+            </a:pPr>
+            <a:r>
+              <a:rPr>
+                <a:sym typeface="+mn-ea"/>
+              </a:rPr>
+              <a:t>本课程使用“学本式教学”的方式，以学生为本，</a:t>
+            </a:r>
+            <a:r>
+              <a:rPr lang="zh-CN" altLang="en-US"/>
+              <a:t>通过全程提问（学生讨论回答）、零讲解的方式来讲课</a:t>
+            </a:r>
+            <a:endParaRPr lang="zh-CN" altLang="en-US"/>
+          </a:p>
+          <a:p>
+            <a:pPr marL="285750" indent="-285750">
+              <a:buFont typeface="Arial" panose="020B0604020202090204" pitchFamily="34" charset="0"/>
+              <a:buChar char="•"/>
+            </a:pPr>
+            <a:r>
+              <a:rPr lang="zh-CN" altLang="en-US"/>
+              <a:t>“学本式教学”需要学生高度参与课程，通过自己和小组合作回答课程的所有问题，在课程中完成复习、练习</a:t>
+            </a:r>
+            <a:endParaRPr lang="zh-CN" altLang="en-US"/>
+          </a:p>
+        </p:txBody>
+      </p:sp>
+      <p:sp>
+        <p:nvSpPr>
+          <p:cNvPr id="3" name="标题 2"/>
+          <p:cNvSpPr>
+            <a:spLocks noGrp="1"/>
+          </p:cNvSpPr>
+          <p:nvPr>
+            <p:ph type="title"/>
+          </p:nvPr>
+        </p:nvSpPr>
+        <p:spPr/>
+        <p:txBody>
+          <a:bodyPr/>
+          <a:p>
+            <a:r>
+              <a:rPr>
+                <a:sym typeface="+mn-ea"/>
+              </a:rPr>
+              <a:t>使用</a:t>
+            </a:r>
+            <a:r>
+              <a:rPr lang="en-US" altLang="zh-CN">
+                <a:sym typeface="+mn-ea"/>
+              </a:rPr>
+              <a:t>“</a:t>
+            </a:r>
+            <a:r>
+              <a:rPr>
+                <a:sym typeface="+mn-ea"/>
+              </a:rPr>
+              <a:t>学本式教学</a:t>
+            </a:r>
+            <a:r>
+              <a:rPr lang="en-US" altLang="zh-CN">
+                <a:sym typeface="+mn-ea"/>
+              </a:rPr>
+              <a:t>”</a:t>
+            </a:r>
+            <a:r>
+              <a:rPr>
+                <a:sym typeface="+mn-ea"/>
+              </a:rPr>
+              <a:t>的方法来讲课</a:t>
+            </a:r>
+            <a:endParaRPr lang="zh-CN" altLang="en-US"/>
+          </a:p>
+        </p:txBody>
+      </p:sp>
+    </p:spTree>
+    <p:custDataLst>
+      <p:tags r:id="rId1"/>
+    </p:custDataLst>
+  </p:cSld>
+  <p:clrMapOvr>
+    <a:masterClrMapping/>
+  </p:clrMapOvr>
+  <p:timing>
+    <p:tnLst>
+      <p:par>
+        <p:cTn id="1" dur="indefinite" restart="never" nodeType="tmRoot">
+          <p:childTnLst>
+            <p:seq concurrent="1" nextAc="seek">
+              <p:cTn id="2" dur="indefinite" nodeType="mainSeq">
+                <p:childTnLst>
+                  <p:par>
+                    <p:cTn id="3" fill="hold">
+                      <p:stCondLst>
+                        <p:cond delay="indefinite"/>
+                      </p:stCondLst>
+                      <p:childTnLst>
+                        <p:par>
+                          <p:cTn id="4" fill="hold">
+                            <p:stCondLst>
+                              <p:cond delay="0"/>
+                            </p:stCondLst>
+                            <p:childTnLst>
+                              <p:par>
+                                <p:cTn id="5" presetID="1" presetClass="entr" presetSubtype="0" fill="hold" nodeType="clickEffect">
+                                  <p:stCondLst>
+                                    <p:cond delay="0"/>
+                                  </p:stCondLst>
+                                  <p:childTnLst>
+                                    <p:set>
+                                      <p:cBhvr>
+                                        <p:cTn id="6" dur="1" fill="hold">
+                                          <p:stCondLst>
+                                            <p:cond delay="0"/>
+                                          </p:stCondLst>
+                                        </p:cTn>
+                                        <p:tgtEl>
+                                          <p:spTgt spid="2">
+                                            <p:txEl>
+                                              <p:pRg st="1" end="1"/>
+                                            </p:txEl>
+                                          </p:spTgt>
+                                        </p:tgtEl>
+                                        <p:attrNameLst>
+                                          <p:attrName>style.visibility</p:attrName>
+                                        </p:attrNameLst>
+                                      </p:cBhvr>
+                                      <p:to>
+                                        <p:strVal val="visible"/>
+                                      </p:to>
+                                    </p:set>
+                                  </p:childTnLst>
+                                </p:cTn>
+                              </p:par>
+                            </p:childTnLst>
+                          </p:cTn>
+                        </p:par>
+                      </p:childTnLst>
+                    </p:cTn>
+                  </p:par>
+                  <p:par>
+                    <p:cTn id="7" fill="hold">
+                      <p:stCondLst>
+                        <p:cond delay="indefinite"/>
+                      </p:stCondLst>
+                      <p:childTnLst>
+                        <p:par>
+                          <p:cTn id="8" fill="hold">
+                            <p:stCondLst>
+                              <p:cond delay="0"/>
+                            </p:stCondLst>
+                            <p:childTnLst>
+                              <p:par>
+                                <p:cTn id="9" presetID="1" presetClass="entr" presetSubtype="0" fill="hold" nodeType="clickEffect">
+                                  <p:stCondLst>
+                                    <p:cond delay="0"/>
+                                  </p:stCondLst>
+                                  <p:childTnLst>
+                                    <p:set>
+                                      <p:cBhvr>
+                                        <p:cTn id="10" dur="1" fill="hold">
+                                          <p:stCondLst>
+                                            <p:cond delay="0"/>
+                                          </p:stCondLst>
+                                        </p:cTn>
+                                        <p:tgtEl>
+                                          <p:spTgt spid="2">
+                                            <p:txEl>
+                                              <p:pRg st="2" end="2"/>
+                                            </p:txEl>
+                                          </p:spTgt>
+                                        </p:tgtEl>
+                                        <p:attrNameLst>
+                                          <p:attrName>style.visibility</p:attrName>
+                                        </p:attrNameLst>
+                                      </p:cBhvr>
+                                      <p:to>
+                                        <p:strVal val="visible"/>
+                                      </p:to>
+                                    </p:set>
+                                  </p:childTnLst>
+                                </p:cTn>
+                              </p:par>
+                            </p:childTnLst>
+                          </p:cTn>
+                        </p:par>
+                      </p:childTnLst>
+                    </p:cTn>
+                  </p:par>
+                </p:childTnLst>
+              </p:cTn>
+              <p:prevCondLst>
+                <p:cond evt="onPrev" delay="0">
+                  <p:tgtEl>
+                    <p:sldTgt/>
+                  </p:tgtEl>
+                </p:cond>
+              </p:prevCondLst>
+              <p:nextCondLst>
+                <p:cond evt="onNext" delay="0">
+                  <p:tgtEl>
+                    <p:sldTgt/>
+                  </p:tgtEl>
+                </p:cond>
+              </p:nextCondLst>
+            </p:seq>
+          </p:childTnLst>
+        </p:cTn>
+      </p:par>
+    </p:tnLst>
+  </p:timing>
+</p:sld>
+</file>
+
+<file path=ppt/slides/slide7.xml><?xml version="1.0" encoding="utf-8"?>
 <p:sld xmlns:a="http://schemas.openxmlformats.org/drawingml/2006/main" xmlns:r="http://schemas.openxmlformats.org/officeDocument/2006/relationships" xmlns:p="http://schemas.openxmlformats.org/presentationml/2006/main">
   <p:cSld>
     <p:spTree>
@@ -9535,7 +10191,7 @@
 </p:sld>
 </file>
 
-<file path=ppt/slides/slide7.xml><?xml version="1.0" encoding="utf-8"?>
+<file path=ppt/slides/slide8.xml><?xml version="1.0" encoding="utf-8"?>
 <p:sld xmlns:a="http://schemas.openxmlformats.org/drawingml/2006/main" xmlns:r="http://schemas.openxmlformats.org/officeDocument/2006/relationships" xmlns:p="http://schemas.openxmlformats.org/presentationml/2006/main">
   <p:cSld>
     <p:spTree>
@@ -9835,7 +10491,7 @@
 </p:sld>
 </file>
 
-<file path=ppt/slides/slide8.xml><?xml version="1.0" encoding="utf-8"?>
+<file path=ppt/slides/slide9.xml><?xml version="1.0" encoding="utf-8"?>
 <p:sld xmlns:a="http://schemas.openxmlformats.org/drawingml/2006/main" xmlns:r="http://schemas.openxmlformats.org/officeDocument/2006/relationships" xmlns:p="http://schemas.openxmlformats.org/presentationml/2006/main">
   <p:cSld>
     <p:spTree>
@@ -10047,293 +10703,6 @@
 </p:sld>
 </file>
 
-<file path=ppt/slides/slide9.xml><?xml version="1.0" encoding="utf-8"?>
-<p:sld xmlns:a="http://schemas.openxmlformats.org/drawingml/2006/main" xmlns:r="http://schemas.openxmlformats.org/officeDocument/2006/relationships" xmlns:p="http://schemas.openxmlformats.org/presentationml/2006/main">
-  <p:cSld>
-    <p:spTree>
-      <p:nvGrpSpPr>
-        <p:cNvPr id="1" name=""/>
-        <p:cNvGrpSpPr/>
-        <p:nvPr/>
-      </p:nvGrpSpPr>
-      <p:grpSpPr/>
-      <p:sp>
-        <p:nvSpPr>
-          <p:cNvPr id="2" name="文本占位符 1"/>
-          <p:cNvSpPr>
-            <a:spLocks noGrp="1"/>
-          </p:cNvSpPr>
-          <p:nvPr>
-            <p:ph type="body" idx="1"/>
-          </p:nvPr>
-        </p:nvSpPr>
-        <p:spPr/>
-        <p:txBody>
-          <a:bodyPr/>
-          <a:p>
-            <a:pPr marL="285750" indent="-285750">
-              <a:buFont typeface="Arial" panose="020B0604020202090204" pitchFamily="34" charset="0"/>
-              <a:buChar char="•"/>
-            </a:pPr>
-            <a:r>
-              <a:rPr lang="zh-CN" altLang="en-US"/>
-              <a:t>零基础上手学习</a:t>
-            </a:r>
-            <a:endParaRPr lang="zh-CN" altLang="en-US"/>
-          </a:p>
-          <a:p>
-            <a:pPr marL="285750" indent="-285750">
-              <a:buFont typeface="Arial" panose="020B0604020202090204" pitchFamily="34" charset="0"/>
-              <a:buChar char="•"/>
-            </a:pPr>
-            <a:r>
-              <a:rPr lang="en-US" altLang="zh-CN">
-                <a:sym typeface="+mn-ea"/>
-              </a:rPr>
-              <a:t>掌握如何设计游戏引擎</a:t>
-            </a:r>
-            <a:endParaRPr lang="en-US" altLang="zh-CN">
-              <a:sym typeface="+mn-ea"/>
-            </a:endParaRPr>
-          </a:p>
-          <a:p>
-            <a:pPr marL="285750" indent="-285750">
-              <a:buFont typeface="Arial" panose="020B0604020202090204" pitchFamily="34" charset="0"/>
-              <a:buChar char="•"/>
-            </a:pPr>
-            <a:r>
-              <a:rPr>
-                <a:sym typeface="+mn-ea"/>
-              </a:rPr>
-              <a:t>学习先进的架构设计</a:t>
-            </a:r>
-            <a:endParaRPr lang="zh-CN" altLang="en-US"/>
-          </a:p>
-          <a:p>
-            <a:pPr marL="285750" indent="-285750">
-              <a:buFont typeface="Arial" panose="020B0604020202090204" pitchFamily="34" charset="0"/>
-              <a:buChar char="•"/>
-            </a:pPr>
-            <a:r>
-              <a:t>初步学习</a:t>
-            </a:r>
-            <a:r>
-              <a:rPr lang="en-US" altLang="zh-CN"/>
-              <a:t>WebGPU</a:t>
-            </a:r>
-          </a:p>
-        </p:txBody>
-      </p:sp>
-      <p:sp>
-        <p:nvSpPr>
-          <p:cNvPr id="3" name="标题 2"/>
-          <p:cNvSpPr>
-            <a:spLocks noGrp="1"/>
-          </p:cNvSpPr>
-          <p:nvPr>
-            <p:ph type="title"/>
-          </p:nvPr>
-        </p:nvSpPr>
-        <p:spPr/>
-        <p:txBody>
-          <a:bodyPr/>
-          <a:p>
-            <a:r>
-              <a:rPr lang="zh-CN" altLang="en-US"/>
-              <a:t>学员收益</a:t>
-            </a:r>
-            <a:endParaRPr lang="zh-CN" altLang="en-US"/>
-          </a:p>
-        </p:txBody>
-      </p:sp>
-    </p:spTree>
-    <p:custDataLst>
-      <p:tags r:id="rId1"/>
-    </p:custDataLst>
-  </p:cSld>
-  <p:clrMapOvr>
-    <a:masterClrMapping/>
-  </p:clrMapOvr>
-  <p:timing>
-    <p:tnLst>
-      <p:par>
-        <p:cTn id="1" dur="indefinite" restart="never" nodeType="tmRoot">
-          <p:childTnLst>
-            <p:seq concurrent="1" nextAc="seek">
-              <p:cTn id="2" dur="indefinite" nodeType="mainSeq">
-                <p:childTnLst>
-                  <p:par>
-                    <p:cTn id="3" fill="hold">
-                      <p:stCondLst>
-                        <p:cond delay="indefinite"/>
-                      </p:stCondLst>
-                      <p:childTnLst>
-                        <p:par>
-                          <p:cTn id="4" fill="hold">
-                            <p:stCondLst>
-                              <p:cond delay="0"/>
-                            </p:stCondLst>
-                            <p:childTnLst>
-                              <p:par>
-                                <p:cTn id="5" presetID="1" presetClass="entr" presetSubtype="0" fill="hold" nodeType="clickEffect">
-                                  <p:stCondLst>
-                                    <p:cond delay="0"/>
-                                  </p:stCondLst>
-                                  <p:childTnLst>
-                                    <p:set>
-                                      <p:cBhvr>
-                                        <p:cTn id="6" dur="1" fill="hold">
-                                          <p:stCondLst>
-                                            <p:cond delay="0"/>
-                                          </p:stCondLst>
-                                        </p:cTn>
-                                        <p:tgtEl>
-                                          <p:spTgt spid="2">
-                                            <p:txEl>
-                                              <p:pRg st="1" end="1"/>
-                                            </p:txEl>
-                                          </p:spTgt>
-                                        </p:tgtEl>
-                                        <p:attrNameLst>
-                                          <p:attrName>style.visibility</p:attrName>
-                                        </p:attrNameLst>
-                                      </p:cBhvr>
-                                      <p:to>
-                                        <p:strVal val="visible"/>
-                                      </p:to>
-                                    </p:set>
-                                  </p:childTnLst>
-                                </p:cTn>
-                              </p:par>
-                            </p:childTnLst>
-                          </p:cTn>
-                        </p:par>
-                      </p:childTnLst>
-                    </p:cTn>
-                  </p:par>
-                  <p:par>
-                    <p:cTn id="7" fill="hold">
-                      <p:stCondLst>
-                        <p:cond delay="indefinite"/>
-                      </p:stCondLst>
-                      <p:childTnLst>
-                        <p:par>
-                          <p:cTn id="8" fill="hold">
-                            <p:stCondLst>
-                              <p:cond delay="0"/>
-                            </p:stCondLst>
-                            <p:childTnLst>
-                              <p:par>
-                                <p:cTn id="9" presetID="1" presetClass="entr" presetSubtype="0" fill="hold" nodeType="clickEffect">
-                                  <p:stCondLst>
-                                    <p:cond delay="0"/>
-                                  </p:stCondLst>
-                                  <p:childTnLst>
-                                    <p:set>
-                                      <p:cBhvr>
-                                        <p:cTn id="10" dur="1" fill="hold">
-                                          <p:stCondLst>
-                                            <p:cond delay="0"/>
-                                          </p:stCondLst>
-                                        </p:cTn>
-                                        <p:tgtEl>
-                                          <p:spTgt spid="2">
-                                            <p:txEl>
-                                              <p:pRg st="2" end="2"/>
-                                            </p:txEl>
-                                          </p:spTgt>
-                                        </p:tgtEl>
-                                        <p:attrNameLst>
-                                          <p:attrName>style.visibility</p:attrName>
-                                        </p:attrNameLst>
-                                      </p:cBhvr>
-                                      <p:to>
-                                        <p:strVal val="visible"/>
-                                      </p:to>
-                                    </p:set>
-                                  </p:childTnLst>
-                                </p:cTn>
-                              </p:par>
-                            </p:childTnLst>
-                          </p:cTn>
-                        </p:par>
-                      </p:childTnLst>
-                    </p:cTn>
-                  </p:par>
-                  <p:par>
-                    <p:cTn id="11" fill="hold">
-                      <p:stCondLst>
-                        <p:cond delay="indefinite"/>
-                      </p:stCondLst>
-                      <p:childTnLst>
-                        <p:par>
-                          <p:cTn id="12" fill="hold">
-                            <p:stCondLst>
-                              <p:cond delay="0"/>
-                            </p:stCondLst>
-                            <p:childTnLst>
-                              <p:par>
-                                <p:cTn id="13" presetID="1" presetClass="entr" presetSubtype="0" fill="hold" nodeType="clickEffect">
-                                  <p:stCondLst>
-                                    <p:cond delay="0"/>
-                                  </p:stCondLst>
-                                  <p:childTnLst>
-                                    <p:set>
-                                      <p:cBhvr>
-                                        <p:cTn id="14" dur="1" fill="hold">
-                                          <p:stCondLst>
-                                            <p:cond delay="0"/>
-                                          </p:stCondLst>
-                                        </p:cTn>
-                                        <p:tgtEl>
-                                          <p:spTgt spid="2">
-                                            <p:txEl>
-                                              <p:pRg st="3" end="3"/>
-                                            </p:txEl>
-                                          </p:spTgt>
-                                        </p:tgtEl>
-                                        <p:attrNameLst>
-                                          <p:attrName>style.visibility</p:attrName>
-                                        </p:attrNameLst>
-                                      </p:cBhvr>
-                                      <p:to>
-                                        <p:strVal val="visible"/>
-                                      </p:to>
-                                    </p:set>
-                                  </p:childTnLst>
-                                </p:cTn>
-                              </p:par>
-                            </p:childTnLst>
-                          </p:cTn>
-                        </p:par>
-                      </p:childTnLst>
-                    </p:cTn>
-                  </p:par>
-                </p:childTnLst>
-              </p:cTn>
-              <p:prevCondLst>
-                <p:cond evt="onPrev" delay="0">
-                  <p:tgtEl>
-                    <p:sldTgt/>
-                  </p:tgtEl>
-                </p:cond>
-              </p:prevCondLst>
-              <p:nextCondLst>
-                <p:cond evt="onNext" delay="0">
-                  <p:tgtEl>
-                    <p:sldTgt/>
-                  </p:tgtEl>
-                </p:cond>
-              </p:nextCondLst>
-            </p:seq>
-          </p:childTnLst>
-        </p:cTn>
-      </p:par>
-    </p:tnLst>
-  </p:timing>
-</p:sld>
-</file>
-
 <file path=ppt/tags/tag1.xml><?xml version="1.0" encoding="utf-8"?>
 <p:tagLst xmlns:p="http://schemas.openxmlformats.org/presentationml/2006/main">
   <p:tag name="KSO_WM_UNIT_HIGHLIGHT" val="0"/>
@@ -11363,6 +11732,15 @@
 </file>
 
 <file path=ppt/tags/tag86.xml><?xml version="1.0" encoding="utf-8"?>
+<p:tagLst xmlns:p="http://schemas.openxmlformats.org/presentationml/2006/main">
+  <p:tag name="KSO_WM_BEAUTIFY_FLAG" val="#wm#"/>
+  <p:tag name="KSO_WM_TEMPLATE_CATEGORY" val="custom"/>
+  <p:tag name="KSO_WM_TEMPLATE_INDEX" val="20187308"/>
+  <p:tag name="KSO_WM_SPECIAL_SOURCE" val="bdnull"/>
+</p:tagLst>
+</file>
+
+<file path=ppt/tags/tag87.xml><?xml version="1.0" encoding="utf-8"?>
 <p:tagLst xmlns:p="http://schemas.openxmlformats.org/presentationml/2006/main">
   <p:tag name="KSO_WM_BEAUTIFY_FLAG" val="#wm#"/>
   <p:tag name="KSO_WM_TEMPLATE_CATEGORY" val="custom"/>

--- a/packages/introduce/第一节课.pptx
+++ b/packages/introduce/第一节课.pptx
@@ -34,6 +34,9 @@
   </p:sldIdLst>
   <p:sldSz cx="12192000" cy="6858000"/>
   <p:notesSz cx="6858000" cy="9144000"/>
+  <p:custDataLst>
+    <p:tags r:id="rId28"/>
+  </p:custDataLst>
   <p:defaultTextStyle>
     <a:defPPr>
       <a:defRPr lang="zh-CN"/>
@@ -2050,7 +2053,7 @@
               <a:spcAft>
                 <a:spcPts val="1000"/>
               </a:spcAft>
-              <a:buFont typeface="Arial" panose="020B0604020202090204" pitchFamily="34" charset="0"/>
+              <a:buFont typeface="Arial" panose="020B0604020202020204" pitchFamily="34" charset="0"/>
               <a:buChar char="•"/>
               <a:defRPr kumimoji="0" lang="zh-CN" altLang="en-US" sz="1600" b="0" i="0" u="none" strike="noStrike" kern="1200" cap="none" spc="150" normalizeH="0" baseline="0" noProof="1" dirty="0">
                 <a:solidFill>
@@ -2076,7 +2079,7 @@
               <a:spcAft>
                 <a:spcPts val="1000"/>
               </a:spcAft>
-              <a:buFont typeface="Arial" panose="020B0604020202090204" pitchFamily="34" charset="0"/>
+              <a:buFont typeface="Arial" panose="020B0604020202020204" pitchFamily="34" charset="0"/>
               <a:buChar char="•"/>
               <a:tabLst>
                 <a:tab pos="1609725" algn="l"/>
@@ -2105,7 +2108,7 @@
               <a:spcAft>
                 <a:spcPts val="1000"/>
               </a:spcAft>
-              <a:buFont typeface="Arial" panose="020B0604020202090204" pitchFamily="34" charset="0"/>
+              <a:buFont typeface="Arial" panose="020B0604020202020204" pitchFamily="34" charset="0"/>
               <a:buChar char="•"/>
               <a:defRPr kumimoji="0" lang="zh-CN" altLang="en-US" sz="1600" b="0" i="0" u="none" strike="noStrike" kern="1200" cap="none" spc="150" normalizeH="0" baseline="0" noProof="1" dirty="0">
                 <a:solidFill>
@@ -2131,7 +2134,7 @@
               <a:spcAft>
                 <a:spcPts val="1000"/>
               </a:spcAft>
-              <a:buFont typeface="Arial" panose="020B0604020202090204" pitchFamily="34" charset="0"/>
+              <a:buFont typeface="Arial" panose="020B0604020202020204" pitchFamily="34" charset="0"/>
               <a:buChar char="•"/>
               <a:defRPr kumimoji="0" lang="zh-CN" altLang="en-US" sz="1600" b="0" i="0" u="none" strike="noStrike" kern="1200" cap="none" spc="150" normalizeH="0" baseline="0" noProof="1" dirty="0">
                 <a:solidFill>
@@ -2157,7 +2160,7 @@
               <a:spcAft>
                 <a:spcPts val="1000"/>
               </a:spcAft>
-              <a:buFont typeface="Arial" panose="020B0604020202090204" pitchFamily="34" charset="0"/>
+              <a:buFont typeface="Arial" panose="020B0604020202020204" pitchFamily="34" charset="0"/>
               <a:buChar char="•"/>
               <a:defRPr kumimoji="0" lang="zh-CN" altLang="en-US" sz="1600" b="0" i="0" u="none" strike="noStrike" kern="1200" cap="none" spc="150" normalizeH="0" baseline="0" noProof="1" dirty="0">
                 <a:solidFill>
@@ -2636,7 +2639,7 @@
               <a:spcAft>
                 <a:spcPts val="1000"/>
               </a:spcAft>
-              <a:buFont typeface="Arial" panose="020B0604020202090204" pitchFamily="34" charset="0"/>
+              <a:buFont typeface="Arial" panose="020B0604020202020204" pitchFamily="34" charset="0"/>
               <a:buChar char="•"/>
               <a:defRPr kumimoji="0" lang="zh-CN" altLang="en-US" sz="1600" b="0" i="0" u="none" strike="noStrike" kern="1200" cap="none" spc="150" normalizeH="0" baseline="0" noProof="1" dirty="0">
                 <a:solidFill>
@@ -2662,7 +2665,7 @@
               <a:spcAft>
                 <a:spcPts val="1000"/>
               </a:spcAft>
-              <a:buFont typeface="Arial" panose="020B0604020202090204" pitchFamily="34" charset="0"/>
+              <a:buFont typeface="Arial" panose="020B0604020202020204" pitchFamily="34" charset="0"/>
               <a:buChar char="•"/>
               <a:tabLst>
                 <a:tab pos="1609725" algn="l"/>
@@ -2691,7 +2694,7 @@
               <a:spcAft>
                 <a:spcPts val="1000"/>
               </a:spcAft>
-              <a:buFont typeface="Arial" panose="020B0604020202090204" pitchFamily="34" charset="0"/>
+              <a:buFont typeface="Arial" panose="020B0604020202020204" pitchFamily="34" charset="0"/>
               <a:buChar char="•"/>
               <a:defRPr kumimoji="0" lang="zh-CN" altLang="en-US" sz="1600" b="0" i="0" u="none" strike="noStrike" kern="1200" cap="none" spc="150" normalizeH="0" baseline="0" noProof="1" dirty="0">
                 <a:solidFill>
@@ -2717,7 +2720,7 @@
               <a:spcAft>
                 <a:spcPts val="1000"/>
               </a:spcAft>
-              <a:buFont typeface="Arial" panose="020B0604020202090204" pitchFamily="34" charset="0"/>
+              <a:buFont typeface="Arial" panose="020B0604020202020204" pitchFamily="34" charset="0"/>
               <a:buChar char="•"/>
               <a:defRPr kumimoji="0" lang="zh-CN" altLang="en-US" sz="1600" b="0" i="0" u="none" strike="noStrike" kern="1200" cap="none" spc="150" normalizeH="0" baseline="0" noProof="1" dirty="0">
                 <a:solidFill>
@@ -2743,7 +2746,7 @@
               <a:spcAft>
                 <a:spcPts val="1000"/>
               </a:spcAft>
-              <a:buFont typeface="Arial" panose="020B0604020202090204" pitchFamily="34" charset="0"/>
+              <a:buFont typeface="Arial" panose="020B0604020202020204" pitchFamily="34" charset="0"/>
               <a:buChar char="•"/>
               <a:defRPr kumimoji="0" lang="zh-CN" altLang="en-US" sz="1600" b="0" i="0" u="none" strike="noStrike" kern="1200" cap="none" spc="150" normalizeH="0" baseline="0" noProof="1" dirty="0">
                 <a:solidFill>
@@ -2856,7 +2859,7 @@
               <a:spcAft>
                 <a:spcPts val="0"/>
               </a:spcAft>
-              <a:buFont typeface="Arial" panose="020B0604020202090204" pitchFamily="34" charset="0"/>
+              <a:buFont typeface="Arial" panose="020B0604020202020204" pitchFamily="34" charset="0"/>
               <a:buNone/>
               <a:defRPr kumimoji="0" lang="zh-CN" altLang="en-US" sz="2000" b="1" i="0" u="none" strike="noStrike" kern="1200" cap="none" spc="200" normalizeH="0" baseline="0" noProof="1" dirty="0">
                 <a:solidFill>
@@ -2950,7 +2953,7 @@
               <a:spcAft>
                 <a:spcPts val="1000"/>
               </a:spcAft>
-              <a:buFont typeface="Arial" panose="020B0604020202090204" pitchFamily="34" charset="0"/>
+              <a:buFont typeface="Arial" panose="020B0604020202020204" pitchFamily="34" charset="0"/>
               <a:buChar char="•"/>
               <a:defRPr kumimoji="0" lang="zh-CN" altLang="en-US" sz="1600" b="0" i="0" u="none" strike="noStrike" kern="1200" cap="none" spc="150" normalizeH="0" baseline="0" noProof="1" dirty="0">
                 <a:solidFill>
@@ -2976,7 +2979,7 @@
               <a:spcAft>
                 <a:spcPts val="1000"/>
               </a:spcAft>
-              <a:buFont typeface="Arial" panose="020B0604020202090204" pitchFamily="34" charset="0"/>
+              <a:buFont typeface="Arial" panose="020B0604020202020204" pitchFamily="34" charset="0"/>
               <a:buChar char="•"/>
               <a:tabLst>
                 <a:tab pos="1609725" algn="l"/>
@@ -3005,7 +3008,7 @@
               <a:spcAft>
                 <a:spcPts val="1000"/>
               </a:spcAft>
-              <a:buFont typeface="Arial" panose="020B0604020202090204" pitchFamily="34" charset="0"/>
+              <a:buFont typeface="Arial" panose="020B0604020202020204" pitchFamily="34" charset="0"/>
               <a:buChar char="•"/>
               <a:defRPr kumimoji="0" lang="zh-CN" altLang="en-US" sz="1600" b="0" i="0" u="none" strike="noStrike" kern="1200" cap="none" spc="150" normalizeH="0" baseline="0" noProof="1" dirty="0">
                 <a:solidFill>
@@ -3031,7 +3034,7 @@
               <a:spcAft>
                 <a:spcPts val="1000"/>
               </a:spcAft>
-              <a:buFont typeface="Arial" panose="020B0604020202090204" pitchFamily="34" charset="0"/>
+              <a:buFont typeface="Arial" panose="020B0604020202020204" pitchFamily="34" charset="0"/>
               <a:buChar char="•"/>
               <a:defRPr kumimoji="0" lang="zh-CN" altLang="en-US" sz="1600" b="0" i="0" u="none" strike="noStrike" kern="1200" cap="none" spc="150" normalizeH="0" baseline="0" noProof="1" dirty="0">
                 <a:solidFill>
@@ -3057,7 +3060,7 @@
               <a:spcAft>
                 <a:spcPts val="1000"/>
               </a:spcAft>
-              <a:buFont typeface="Arial" panose="020B0604020202090204" pitchFamily="34" charset="0"/>
+              <a:buFont typeface="Arial" panose="020B0604020202020204" pitchFamily="34" charset="0"/>
               <a:buChar char="•"/>
               <a:defRPr kumimoji="0" lang="zh-CN" altLang="en-US" sz="1600" b="0" i="0" u="none" strike="noStrike" kern="1200" cap="none" spc="150" normalizeH="0" baseline="0" noProof="1" dirty="0">
                 <a:solidFill>
@@ -3561,7 +3564,7 @@
               <a:spcAft>
                 <a:spcPts val="1000"/>
               </a:spcAft>
-              <a:buFont typeface="Arial" panose="020B0604020202090204" pitchFamily="34" charset="0"/>
+              <a:buFont typeface="Arial" panose="020B0604020202020204" pitchFamily="34" charset="0"/>
               <a:buNone/>
               <a:defRPr kumimoji="0" lang="zh-CN" altLang="en-US" sz="1600" b="0" i="0" u="none" strike="noStrike" kern="1200" cap="none" spc="150" normalizeH="0" baseline="0" noProof="1" dirty="0">
                 <a:solidFill>
@@ -3587,7 +3590,7 @@
               <a:spcAft>
                 <a:spcPts val="1000"/>
               </a:spcAft>
-              <a:buFont typeface="Arial" panose="020B0604020202090204" pitchFamily="34" charset="0"/>
+              <a:buFont typeface="Arial" panose="020B0604020202020204" pitchFamily="34" charset="0"/>
               <a:buChar char="•"/>
               <a:tabLst>
                 <a:tab pos="1609725" algn="l"/>
@@ -3613,7 +3616,7 @@
               <a:spcAft>
                 <a:spcPts val="1000"/>
               </a:spcAft>
-              <a:buFont typeface="Arial" panose="020B0604020202090204" pitchFamily="34" charset="0"/>
+              <a:buFont typeface="Arial" panose="020B0604020202020204" pitchFamily="34" charset="0"/>
               <a:buChar char="•"/>
               <a:defRPr kumimoji="0" lang="zh-CN" altLang="en-US" sz="1600" b="0" i="0" u="none" strike="noStrike" kern="1200" cap="none" spc="150" normalizeH="0" baseline="0" noProof="1" dirty="0">
                 <a:solidFill>
@@ -3636,7 +3639,7 @@
               <a:spcAft>
                 <a:spcPts val="1000"/>
               </a:spcAft>
-              <a:buFont typeface="Arial" panose="020B0604020202090204" pitchFamily="34" charset="0"/>
+              <a:buFont typeface="Arial" panose="020B0604020202020204" pitchFamily="34" charset="0"/>
               <a:buChar char="•"/>
               <a:defRPr kumimoji="0" lang="zh-CN" altLang="en-US" sz="1600" b="0" i="0" u="none" strike="noStrike" kern="1200" cap="none" spc="150" normalizeH="0" baseline="0" noProof="1" dirty="0">
                 <a:solidFill>
@@ -3659,7 +3662,7 @@
               <a:spcAft>
                 <a:spcPts val="1000"/>
               </a:spcAft>
-              <a:buFont typeface="Arial" panose="020B0604020202090204" pitchFamily="34" charset="0"/>
+              <a:buFont typeface="Arial" panose="020B0604020202020204" pitchFamily="34" charset="0"/>
               <a:buChar char="•"/>
               <a:defRPr kumimoji="0" lang="zh-CN" altLang="en-US" sz="1600" b="0" i="0" u="none" strike="noStrike" kern="1200" cap="none" spc="150" normalizeH="0" baseline="0" noProof="1" dirty="0">
                 <a:solidFill>
@@ -3715,7 +3718,7 @@
               <a:spcAft>
                 <a:spcPts val="1000"/>
               </a:spcAft>
-              <a:buFont typeface="Arial" panose="020B0604020202090204" pitchFamily="34" charset="0"/>
+              <a:buFont typeface="Arial" panose="020B0604020202020204" pitchFamily="34" charset="0"/>
               <a:buChar char="•"/>
               <a:defRPr kumimoji="0" lang="zh-CN" altLang="en-US" sz="1600" b="0" i="0" u="none" strike="noStrike" kern="1200" cap="none" spc="150" normalizeH="0" baseline="0" noProof="1" dirty="0">
                 <a:solidFill>
@@ -4780,7 +4783,7 @@
               <a:spcAft>
                 <a:spcPts val="1000"/>
               </a:spcAft>
-              <a:buFont typeface="Arial" panose="020B0604020202090204" pitchFamily="34" charset="0"/>
+              <a:buFont typeface="Arial" panose="020B0604020202020204" pitchFamily="34" charset="0"/>
               <a:buNone/>
               <a:defRPr kumimoji="0" lang="zh-CN" altLang="en-US" sz="1600" b="0" i="0" u="none" strike="noStrike" kern="1200" cap="none" spc="150" normalizeH="0" baseline="0" noProof="1" dirty="0">
                 <a:solidFill>
@@ -4806,7 +4809,7 @@
               <a:spcAft>
                 <a:spcPts val="1000"/>
               </a:spcAft>
-              <a:buFont typeface="Arial" panose="020B0604020202090204" pitchFamily="34" charset="0"/>
+              <a:buFont typeface="Arial" panose="020B0604020202020204" pitchFamily="34" charset="0"/>
               <a:buNone/>
               <a:tabLst>
                 <a:tab pos="1609725" algn="l"/>
@@ -4835,7 +4838,7 @@
               <a:spcAft>
                 <a:spcPts val="1000"/>
               </a:spcAft>
-              <a:buFont typeface="Arial" panose="020B0604020202090204" pitchFamily="34" charset="0"/>
+              <a:buFont typeface="Arial" panose="020B0604020202020204" pitchFamily="34" charset="0"/>
               <a:buChar char="•"/>
               <a:defRPr kumimoji="0" lang="zh-CN" altLang="en-US" sz="1600" b="0" i="0" u="none" strike="noStrike" kern="1200" cap="none" spc="150" normalizeH="0" baseline="0" noProof="1" dirty="0">
                 <a:solidFill>
@@ -4861,7 +4864,7 @@
               <a:spcAft>
                 <a:spcPts val="1000"/>
               </a:spcAft>
-              <a:buFont typeface="Arial" panose="020B0604020202090204" pitchFamily="34" charset="0"/>
+              <a:buFont typeface="Arial" panose="020B0604020202020204" pitchFamily="34" charset="0"/>
               <a:buChar char="•"/>
               <a:defRPr kumimoji="0" lang="zh-CN" altLang="en-US" sz="1600" b="0" i="0" u="none" strike="noStrike" kern="1200" cap="none" spc="150" normalizeH="0" baseline="0" noProof="1" dirty="0">
                 <a:solidFill>
@@ -4887,7 +4890,7 @@
               <a:spcAft>
                 <a:spcPts val="1000"/>
               </a:spcAft>
-              <a:buFont typeface="Arial" panose="020B0604020202090204" pitchFamily="34" charset="0"/>
+              <a:buFont typeface="Arial" panose="020B0604020202020204" pitchFamily="34" charset="0"/>
               <a:buChar char="•"/>
               <a:defRPr kumimoji="0" lang="zh-CN" altLang="en-US" sz="1600" b="0" i="0" u="none" strike="noStrike" kern="1200" cap="none" spc="150" normalizeH="0" baseline="0" noProof="1" dirty="0">
                 <a:solidFill>
@@ -6193,7 +6196,7 @@
         <a:spcAft>
           <a:spcPts val="1000"/>
         </a:spcAft>
-        <a:buFont typeface="Arial" panose="020B0604020202090204" pitchFamily="34" charset="0"/>
+        <a:buFont typeface="Arial" panose="020B0604020202020204" pitchFamily="34" charset="0"/>
         <a:buChar char="•"/>
         <a:defRPr sz="1600" u="none" strike="noStrike" kern="1200" cap="none" spc="150" normalizeH="0" baseline="0">
           <a:solidFill>
@@ -6215,7 +6218,7 @@
         <a:spcAft>
           <a:spcPts val="1000"/>
         </a:spcAft>
-        <a:buFont typeface="Arial" panose="020B0604020202090204" pitchFamily="34" charset="0"/>
+        <a:buFont typeface="Arial" panose="020B0604020202020204" pitchFamily="34" charset="0"/>
         <a:buChar char="•"/>
         <a:tabLst>
           <a:tab pos="1609725" algn="l"/>
@@ -6240,7 +6243,7 @@
         <a:spcAft>
           <a:spcPts val="1000"/>
         </a:spcAft>
-        <a:buFont typeface="Arial" panose="020B0604020202090204" pitchFamily="34" charset="0"/>
+        <a:buFont typeface="Arial" panose="020B0604020202020204" pitchFamily="34" charset="0"/>
         <a:buChar char="•"/>
         <a:defRPr sz="1600" u="none" strike="noStrike" kern="1200" cap="none" spc="150" normalizeH="0" baseline="0">
           <a:solidFill>
@@ -6262,7 +6265,7 @@
         <a:spcAft>
           <a:spcPts val="1000"/>
         </a:spcAft>
-        <a:buFont typeface="Arial" panose="020B0604020202090204" pitchFamily="34" charset="0"/>
+        <a:buFont typeface="Arial" panose="020B0604020202020204" pitchFamily="34" charset="0"/>
         <a:buChar char="•"/>
         <a:defRPr sz="1600" u="none" strike="noStrike" kern="1200" cap="none" spc="150" normalizeH="0" baseline="0">
           <a:solidFill>
@@ -6284,7 +6287,7 @@
         <a:spcAft>
           <a:spcPts val="1000"/>
         </a:spcAft>
-        <a:buFont typeface="Arial" panose="020B0604020202090204" pitchFamily="34" charset="0"/>
+        <a:buFont typeface="Arial" panose="020B0604020202020204" pitchFamily="34" charset="0"/>
         <a:buChar char="•"/>
         <a:defRPr sz="1600" u="none" strike="noStrike" kern="1200" cap="none" spc="150" normalizeH="0" baseline="0">
           <a:solidFill>
@@ -6303,7 +6306,7 @@
         <a:spcBef>
           <a:spcPts val="500"/>
         </a:spcBef>
-        <a:buFont typeface="Arial" panose="020B0604020202090204" pitchFamily="34" charset="0"/>
+        <a:buFont typeface="Arial" panose="020B0604020202020204" pitchFamily="34" charset="0"/>
         <a:buChar char="•"/>
         <a:defRPr sz="1800" kern="1200">
           <a:solidFill>
@@ -6321,7 +6324,7 @@
         <a:spcBef>
           <a:spcPts val="500"/>
         </a:spcBef>
-        <a:buFont typeface="Arial" panose="020B0604020202090204" pitchFamily="34" charset="0"/>
+        <a:buFont typeface="Arial" panose="020B0604020202020204" pitchFamily="34" charset="0"/>
         <a:buChar char="•"/>
         <a:defRPr sz="1800" kern="1200">
           <a:solidFill>
@@ -6339,7 +6342,7 @@
         <a:spcBef>
           <a:spcPts val="500"/>
         </a:spcBef>
-        <a:buFont typeface="Arial" panose="020B0604020202090204" pitchFamily="34" charset="0"/>
+        <a:buFont typeface="Arial" panose="020B0604020202020204" pitchFamily="34" charset="0"/>
         <a:buChar char="•"/>
         <a:defRPr sz="1800" kern="1200">
           <a:solidFill>
@@ -6357,7 +6360,7 @@
         <a:spcBef>
           <a:spcPts val="500"/>
         </a:spcBef>
-        <a:buFont typeface="Arial" panose="020B0604020202090204" pitchFamily="34" charset="0"/>
+        <a:buFont typeface="Arial" panose="020B0604020202020204" pitchFamily="34" charset="0"/>
         <a:buChar char="•"/>
         <a:defRPr sz="1800" kern="1200">
           <a:solidFill>
@@ -6591,7 +6594,7 @@
           <a:bodyPr/>
           <a:p>
             <a:pPr marL="285750" indent="-285750">
-              <a:buFont typeface="Arial" panose="020B0604020202090204" pitchFamily="34" charset="0"/>
+              <a:buFont typeface="Arial" panose="020B0604020202020204" pitchFamily="34" charset="0"/>
               <a:buChar char="•"/>
             </a:pPr>
             <a:r>
@@ -6602,7 +6605,7 @@
           </a:p>
           <a:p>
             <a:pPr marL="285750" indent="-285750">
-              <a:buFont typeface="Arial" panose="020B0604020202090204" pitchFamily="34" charset="0"/>
+              <a:buFont typeface="Arial" panose="020B0604020202020204" pitchFamily="34" charset="0"/>
               <a:buChar char="•"/>
             </a:pPr>
             <a:r>
@@ -6617,7 +6620,7 @@
           </a:p>
           <a:p>
             <a:pPr marL="285750" indent="-285750">
-              <a:buFont typeface="Arial" panose="020B0604020202090204" pitchFamily="34" charset="0"/>
+              <a:buFont typeface="Arial" panose="020B0604020202020204" pitchFamily="34" charset="0"/>
               <a:buChar char="•"/>
             </a:pPr>
             <a:r>
@@ -6630,7 +6633,7 @@
           </a:p>
           <a:p>
             <a:pPr marL="285750" indent="-285750">
-              <a:buFont typeface="Arial" panose="020B0604020202090204" pitchFamily="34" charset="0"/>
+              <a:buFont typeface="Arial" panose="020B0604020202020204" pitchFamily="34" charset="0"/>
               <a:buChar char="•"/>
             </a:pPr>
             <a:r>
@@ -6640,6 +6643,7 @@
               <a:rPr lang="en-US" altLang="zh-CN"/>
               <a:t>WebGPU</a:t>
             </a:r>
+            <a:endParaRPr lang="en-US" altLang="zh-CN"/>
           </a:p>
         </p:txBody>
       </p:sp>
@@ -6885,7 +6889,7 @@
           </a:p>
           <a:p>
             <a:pPr marL="285750" indent="-285750">
-              <a:buFont typeface="Arial" panose="020B0604020202090204" pitchFamily="34" charset="0"/>
+              <a:buFont typeface="Arial" panose="020B0604020202020204" pitchFamily="34" charset="0"/>
               <a:buChar char="•"/>
             </a:pPr>
             <a:r>
@@ -6896,7 +6900,7 @@
           </a:p>
           <a:p>
             <a:pPr marL="285750" lvl="0" indent="-285750">
-              <a:buFont typeface="Arial" panose="020B0604020202090204" pitchFamily="34" charset="0"/>
+              <a:buFont typeface="Arial" panose="020B0604020202020204" pitchFamily="34" charset="0"/>
               <a:buChar char="•"/>
             </a:pPr>
             <a:r>
@@ -6907,7 +6911,7 @@
           </a:p>
           <a:p>
             <a:pPr marL="285750" lvl="0" indent="-285750">
-              <a:buFont typeface="Arial" panose="020B0604020202090204" pitchFamily="34" charset="0"/>
+              <a:buFont typeface="Arial" panose="020B0604020202020204" pitchFamily="34" charset="0"/>
               <a:buChar char="•"/>
             </a:pPr>
             <a:r>
@@ -6918,7 +6922,7 @@
           </a:p>
           <a:p>
             <a:pPr marL="285750" lvl="0" indent="-285750">
-              <a:buFont typeface="Arial" panose="020B0604020202090204" pitchFamily="34" charset="0"/>
+              <a:buFont typeface="Arial" panose="020B0604020202020204" pitchFamily="34" charset="0"/>
               <a:buChar char="•"/>
             </a:pPr>
             <a:r>
@@ -7218,7 +7222,7 @@
           </a:p>
           <a:p>
             <a:pPr marL="285750" indent="-285750">
-              <a:buFont typeface="Arial" panose="020B0604020202090204" pitchFamily="34" charset="0"/>
+              <a:buFont typeface="Arial" panose="020B0604020202020204" pitchFamily="34" charset="0"/>
               <a:buChar char="•"/>
             </a:pPr>
             <a:r>
@@ -7239,7 +7243,7 @@
           </a:p>
           <a:p>
             <a:pPr marL="285750" indent="-285750">
-              <a:buFont typeface="Arial" panose="020B0604020202090204" pitchFamily="34" charset="0"/>
+              <a:buFont typeface="Arial" panose="020B0604020202020204" pitchFamily="34" charset="0"/>
               <a:buChar char="•"/>
             </a:pPr>
             <a:r>
@@ -7441,7 +7445,7 @@
           </a:p>
           <a:p>
             <a:pPr>
-              <a:buFont typeface="Arial" panose="020B0604020202090204" pitchFamily="34" charset="0"/>
+              <a:buFont typeface="Arial" panose="020B0604020202020204" pitchFamily="34" charset="0"/>
             </a:pPr>
             <a:r>
               <a:t>通过提炼和改进，最终从</a:t>
@@ -7489,7 +7493,7 @@
           </a:p>
           <a:p>
             <a:pPr>
-              <a:buFont typeface="Arial" panose="020B0604020202090204" pitchFamily="34" charset="0"/>
+              <a:buFont typeface="Arial" panose="020B0604020202020204" pitchFamily="34" charset="0"/>
             </a:pPr>
             <a:r>
               <a:rPr lang="en-US" altLang="zh-CN">
@@ -7503,7 +7507,7 @@
           </a:p>
           <a:p>
             <a:pPr>
-              <a:buFont typeface="Arial" panose="020B0604020202090204" pitchFamily="34" charset="0"/>
+              <a:buFont typeface="Arial" panose="020B0604020202020204" pitchFamily="34" charset="0"/>
             </a:pPr>
             <a:r>
               <a:rPr lang="en-US" altLang="zh-CN">
@@ -7523,7 +7527,7 @@
           </a:p>
           <a:p>
             <a:pPr>
-              <a:buFont typeface="Arial" panose="020B0604020202090204" pitchFamily="34" charset="0"/>
+              <a:buFont typeface="Arial" panose="020B0604020202020204" pitchFamily="34" charset="0"/>
             </a:pPr>
             <a:r>
               <a:rPr lang="en-US" altLang="zh-CN">
@@ -7543,7 +7547,7 @@
           </a:p>
           <a:p>
             <a:pPr>
-              <a:buFont typeface="Arial" panose="020B0604020202090204" pitchFamily="34" charset="0"/>
+              <a:buFont typeface="Arial" panose="020B0604020202020204" pitchFamily="34" charset="0"/>
             </a:pPr>
             <a:r>
               <a:rPr lang="en-US" altLang="zh-CN">
@@ -7912,7 +7916,7 @@
           </a:p>
           <a:p>
             <a:pPr>
-              <a:buFont typeface="Arial" panose="020B0604020202090204" pitchFamily="34" charset="0"/>
+              <a:buFont typeface="Arial" panose="020B0604020202020204" pitchFamily="34" charset="0"/>
             </a:pPr>
             <a:r>
               <a:t>应用提炼出来的基础架构，实现一个最简单的</a:t>
@@ -8207,41 +8211,41 @@
           <a:bodyPr/>
           <a:p>
             <a:pPr marL="285750" indent="-285750">
-              <a:buFont typeface="Arial" panose="020B0604020202090204" pitchFamily="34" charset="0"/>
+              <a:buFont typeface="Arial" panose="020B0604020202020204" pitchFamily="34" charset="0"/>
               <a:buChar char="•"/>
             </a:pPr>
             <a:r>
               <a:rPr>
                 <a:sym typeface="+mn-ea"/>
-                <a:hlinkClick r:id="rId1" tooltip="" action="ppaction://hlinkfile"/>
+                <a:hlinkClick r:id="rId1" action="ppaction://hlinkfile"/>
               </a:rPr>
               <a:t>《游戏编程模式》</a:t>
             </a:r>
             <a:endParaRPr>
               <a:sym typeface="+mn-ea"/>
-              <a:hlinkClick r:id="rId1" tooltip="" action="ppaction://hlinkfile"/>
+              <a:hlinkClick r:id="rId1" action="ppaction://hlinkfile"/>
             </a:endParaRPr>
           </a:p>
           <a:p>
             <a:pPr marL="285750" indent="-285750">
-              <a:buFont typeface="Arial" panose="020B0604020202090204" pitchFamily="34" charset="0"/>
+              <a:buFont typeface="Arial" panose="020B0604020202020204" pitchFamily="34" charset="0"/>
               <a:buChar char="•"/>
             </a:pPr>
             <a:r>
               <a:rPr>
                 <a:sym typeface="+mn-ea"/>
-                <a:hlinkClick r:id="rId2" tooltip="" action="ppaction://hlinkfile"/>
+                <a:hlinkClick r:id="rId2" action="ppaction://hlinkfile"/>
               </a:rPr>
               <a:t>WebGPU学习</a:t>
             </a:r>
             <a:endParaRPr>
               <a:sym typeface="+mn-ea"/>
-              <a:hlinkClick r:id="rId2" tooltip="" action="ppaction://hlinkfile"/>
+              <a:hlinkClick r:id="rId2" action="ppaction://hlinkfile"/>
             </a:endParaRPr>
           </a:p>
           <a:p>
             <a:pPr marL="285750" indent="-285750">
-              <a:buFont typeface="Arial" panose="020B0604020202090204" pitchFamily="34" charset="0"/>
+              <a:buFont typeface="Arial" panose="020B0604020202020204" pitchFamily="34" charset="0"/>
               <a:buChar char="•"/>
             </a:pPr>
             <a:r>
@@ -8293,7 +8297,7 @@
           <a:bodyPr/>
           <a:p>
             <a:pPr marL="285750" indent="-285750">
-              <a:buFont typeface="Arial" panose="020B0604020202090204" pitchFamily="34" charset="0"/>
+              <a:buFont typeface="Arial" panose="020B0604020202020204" pitchFamily="34" charset="0"/>
               <a:buChar char="•"/>
             </a:pPr>
             <a:r>
@@ -8429,7 +8433,7 @@
           <a:bodyPr/>
           <a:p>
             <a:pPr marL="285750" indent="-285750">
-              <a:buFont typeface="Arial" panose="020B0604020202090204" pitchFamily="34" charset="0"/>
+              <a:buFont typeface="Arial" panose="020B0604020202020204" pitchFamily="34" charset="0"/>
               <a:buChar char="•"/>
             </a:pPr>
             <a:r>
@@ -8442,7 +8446,7 @@
           </a:p>
           <a:p>
             <a:pPr marL="285750" indent="-285750">
-              <a:buFont typeface="Arial" panose="020B0604020202090204" pitchFamily="34" charset="0"/>
+              <a:buFont typeface="Arial" panose="020B0604020202020204" pitchFamily="34" charset="0"/>
               <a:buChar char="•"/>
             </a:pPr>
             <a:r>
@@ -8457,7 +8461,7 @@
           </a:p>
           <a:p>
             <a:pPr marL="285750" indent="-285750">
-              <a:buFont typeface="Arial" panose="020B0604020202090204" pitchFamily="34" charset="0"/>
+              <a:buFont typeface="Arial" panose="020B0604020202020204" pitchFamily="34" charset="0"/>
               <a:buChar char="•"/>
             </a:pPr>
             <a:r>
@@ -8496,7 +8500,7 @@
           </a:p>
           <a:p>
             <a:pPr marL="285750" indent="-285750">
-              <a:buFont typeface="Arial" panose="020B0604020202090204" pitchFamily="34" charset="0"/>
+              <a:buFont typeface="Arial" panose="020B0604020202020204" pitchFamily="34" charset="0"/>
               <a:buChar char="•"/>
             </a:pPr>
             <a:r>
@@ -8538,7 +8542,7 @@
           </a:p>
           <a:p>
             <a:pPr marL="285750" indent="-285750">
-              <a:buFont typeface="Arial" panose="020B0604020202090204" pitchFamily="34" charset="0"/>
+              <a:buFont typeface="Arial" panose="020B0604020202020204" pitchFamily="34" charset="0"/>
               <a:buChar char="•"/>
             </a:pPr>
             <a:r>
@@ -8553,7 +8557,7 @@
           </a:p>
           <a:p>
             <a:pPr marL="285750" indent="-285750">
-              <a:buFont typeface="Arial" panose="020B0604020202090204" pitchFamily="34" charset="0"/>
+              <a:buFont typeface="Arial" panose="020B0604020202020204" pitchFamily="34" charset="0"/>
               <a:buChar char="•"/>
             </a:pPr>
             <a:r>
@@ -8566,7 +8570,7 @@
           </a:p>
           <a:p>
             <a:pPr marL="285750" indent="-285750">
-              <a:buFont typeface="Arial" panose="020B0604020202090204" pitchFamily="34" charset="0"/>
+              <a:buFont typeface="Arial" panose="020B0604020202020204" pitchFamily="34" charset="0"/>
               <a:buChar char="•"/>
             </a:pPr>
             <a:r>
@@ -8579,7 +8583,7 @@
           </a:p>
           <a:p>
             <a:pPr marL="285750" indent="-285750">
-              <a:buFont typeface="Arial" panose="020B0604020202090204" pitchFamily="34" charset="0"/>
+              <a:buFont typeface="Arial" panose="020B0604020202020204" pitchFamily="34" charset="0"/>
               <a:buChar char="•"/>
             </a:pPr>
             <a:endParaRPr lang="en-US" altLang="zh-CN">
@@ -8588,7 +8592,7 @@
           </a:p>
           <a:p>
             <a:pPr marL="285750" indent="-285750">
-              <a:buFont typeface="Arial" panose="020B0604020202090204" pitchFamily="34" charset="0"/>
+              <a:buFont typeface="Arial" panose="020B0604020202020204" pitchFamily="34" charset="0"/>
               <a:buChar char="•"/>
             </a:pPr>
             <a:endParaRPr>
@@ -8597,7 +8601,7 @@
           </a:p>
           <a:p>
             <a:pPr marL="285750" indent="-285750">
-              <a:buFont typeface="Arial" panose="020B0604020202090204" pitchFamily="34" charset="0"/>
+              <a:buFont typeface="Arial" panose="020B0604020202020204" pitchFamily="34" charset="0"/>
               <a:buChar char="•"/>
             </a:pPr>
             <a:endParaRPr>
@@ -8606,7 +8610,7 @@
           </a:p>
           <a:p>
             <a:pPr marL="285750" indent="-285750">
-              <a:buFont typeface="Arial" panose="020B0604020202090204" pitchFamily="34" charset="0"/>
+              <a:buFont typeface="Arial" panose="020B0604020202020204" pitchFamily="34" charset="0"/>
               <a:buChar char="•"/>
             </a:pPr>
             <a:endParaRPr>
@@ -8722,7 +8726,7 @@
           </a:bodyPr>
           <a:p>
             <a:pPr marL="285750" indent="-285750" algn="l">
-              <a:buFont typeface="Arial" panose="020B0604020202090204" pitchFamily="34" charset="0"/>
+              <a:buFont typeface="Arial" panose="020B0604020202020204" pitchFamily="34" charset="0"/>
               <a:buChar char="•"/>
             </a:pPr>
             <a:r>
@@ -8749,7 +8753,7 @@
           </a:p>
           <a:p>
             <a:pPr marL="285750" indent="-285750" algn="l">
-              <a:buFont typeface="Arial" panose="020B0604020202090204" pitchFamily="34" charset="0"/>
+              <a:buFont typeface="Arial" panose="020B0604020202020204" pitchFamily="34" charset="0"/>
               <a:buChar char="•"/>
             </a:pPr>
             <a:r>
@@ -8760,24 +8764,24 @@
           </a:p>
           <a:p>
             <a:pPr marL="285750" indent="-285750" algn="l">
-              <a:buFont typeface="Arial" panose="020B0604020202090204" pitchFamily="34" charset="0"/>
+              <a:buFont typeface="Arial" panose="020B0604020202020204" pitchFamily="34" charset="0"/>
               <a:buChar char="•"/>
             </a:pPr>
             <a:r>
               <a:rPr lang="zh-CN" altLang="en-US">
-                <a:hlinkClick r:id="rId2" tooltip="" action="ppaction://hlinkfile"/>
+                <a:hlinkClick r:id="rId2" action="ppaction://hlinkfile"/>
               </a:rPr>
               <a:t>《</a:t>
             </a:r>
             <a:r>
               <a:rPr lang="en-US" altLang="zh-CN">
-                <a:hlinkClick r:id="rId2" tooltip="" action="ppaction://hlinkfile"/>
+                <a:hlinkClick r:id="rId2" action="ppaction://hlinkfile"/>
               </a:rPr>
               <a:t>WebGPU</a:t>
             </a:r>
             <a:r>
               <a:rPr lang="zh-CN" altLang="en-US">
-                <a:hlinkClick r:id="rId2" tooltip="" action="ppaction://hlinkfile"/>
+                <a:hlinkClick r:id="rId2" action="ppaction://hlinkfile"/>
               </a:rPr>
               <a:t>学习》</a:t>
             </a:r>
@@ -8789,12 +8793,12 @@
           </a:p>
           <a:p>
             <a:pPr marL="285750" indent="-285750" algn="l">
-              <a:buFont typeface="Arial" panose="020B0604020202090204" pitchFamily="34" charset="0"/>
+              <a:buFont typeface="Arial" panose="020B0604020202020204" pitchFamily="34" charset="0"/>
               <a:buChar char="•"/>
             </a:pPr>
             <a:r>
               <a:rPr lang="zh-CN" altLang="en-US">
-                <a:hlinkClick r:id="rId3" tooltip="" action="ppaction://hlinkfile"/>
+                <a:hlinkClick r:id="rId3" action="ppaction://hlinkfile"/>
               </a:rPr>
               <a:t>“路径追踪渲染器零基础实战开发”</a:t>
             </a:r>
@@ -8806,7 +8810,7 @@
           </a:p>
           <a:p>
             <a:pPr marL="285750" indent="-285750" algn="l">
-              <a:buFont typeface="Arial" panose="020B0604020202090204" pitchFamily="34" charset="0"/>
+              <a:buFont typeface="Arial" panose="020B0604020202020204" pitchFamily="34" charset="0"/>
               <a:buChar char="•"/>
             </a:pPr>
             <a:r>
@@ -8817,7 +8821,7 @@
           </a:p>
           <a:p>
             <a:pPr marL="285750" indent="-285750" algn="l">
-              <a:buFont typeface="Arial" panose="020B0604020202090204" pitchFamily="34" charset="0"/>
+              <a:buFont typeface="Arial" panose="020B0604020202020204" pitchFamily="34" charset="0"/>
               <a:buChar char="•"/>
             </a:pPr>
             <a:r>
@@ -9193,7 +9197,7 @@
           <a:bodyPr/>
           <a:p>
             <a:pPr marL="285750" indent="-285750" algn="l">
-              <a:buFont typeface="Arial" panose="020B0604020202090204" pitchFamily="34" charset="0"/>
+              <a:buFont typeface="Arial" panose="020B0604020202020204" pitchFamily="34" charset="0"/>
               <a:buChar char="•"/>
             </a:pPr>
             <a:r>
@@ -9235,7 +9239,7 @@
           </a:p>
           <a:p>
             <a:pPr marL="285750" indent="-285750" algn="l">
-              <a:buFont typeface="Arial" panose="020B0604020202090204" pitchFamily="34" charset="0"/>
+              <a:buFont typeface="Arial" panose="020B0604020202020204" pitchFamily="34" charset="0"/>
               <a:buChar char="•"/>
             </a:pPr>
             <a:r>
@@ -9244,10 +9248,13 @@
               </a:rPr>
               <a:t>如何体现出“现代”？</a:t>
             </a:r>
+            <a:endParaRPr>
+              <a:sym typeface="+mn-ea"/>
+            </a:endParaRPr>
           </a:p>
           <a:p>
             <a:pPr marL="285750" indent="-285750" algn="l">
-              <a:buFont typeface="Arial" panose="020B0604020202090204" pitchFamily="34" charset="0"/>
+              <a:buFont typeface="Arial" panose="020B0604020202020204" pitchFamily="34" charset="0"/>
               <a:buChar char="•"/>
             </a:pPr>
             <a:r>
@@ -9267,14 +9274,14 @@
           </a:p>
           <a:p>
             <a:pPr marL="742950" lvl="1" indent="-285750" algn="l">
-              <a:buFont typeface="Arial" panose="020B0604020202090204" pitchFamily="34" charset="0"/>
+              <a:buFont typeface="Arial" panose="020B0604020202020204" pitchFamily="34" charset="0"/>
               <a:buChar char="•"/>
             </a:pPr>
             <a:endParaRPr lang="en-US" altLang="zh-CN"/>
           </a:p>
           <a:p>
             <a:pPr lvl="1" algn="l">
-              <a:buFont typeface="Arial" panose="020B0604020202090204" pitchFamily="34" charset="0"/>
+              <a:buFont typeface="Arial" panose="020B0604020202020204" pitchFamily="34" charset="0"/>
             </a:pPr>
             <a:endParaRPr lang="en-US" altLang="zh-CN"/>
           </a:p>
@@ -9356,7 +9363,7 @@
           </a:bodyPr>
           <a:p>
             <a:pPr marL="285750" indent="-285750">
-              <a:buFont typeface="Arial" panose="020B0604020202090204" pitchFamily="34" charset="0"/>
+              <a:buFont typeface="Arial" panose="020B0604020202020204" pitchFamily="34" charset="0"/>
               <a:buChar char="•"/>
             </a:pPr>
             <a:r>
@@ -9375,7 +9382,7 @@
           </a:p>
           <a:p>
             <a:pPr marL="285750" indent="-285750">
-              <a:buFont typeface="Arial" panose="020B0604020202090204" pitchFamily="34" charset="0"/>
+              <a:buFont typeface="Arial" panose="020B0604020202020204" pitchFamily="34" charset="0"/>
               <a:buChar char="•"/>
             </a:pPr>
             <a:r>
@@ -9398,7 +9405,7 @@
           </a:p>
           <a:p>
             <a:pPr marL="285750" indent="-285750">
-              <a:buFont typeface="Arial" panose="020B0604020202090204" pitchFamily="34" charset="0"/>
+              <a:buFont typeface="Arial" panose="020B0604020202020204" pitchFamily="34" charset="0"/>
               <a:buChar char="•"/>
             </a:pPr>
             <a:r>
@@ -9409,7 +9416,7 @@
           </a:p>
           <a:p>
             <a:pPr marL="285750" indent="-285750">
-              <a:buFont typeface="Arial" panose="020B0604020202090204" pitchFamily="34" charset="0"/>
+              <a:buFont typeface="Arial" panose="020B0604020202020204" pitchFamily="34" charset="0"/>
               <a:buChar char="•"/>
             </a:pPr>
             <a:r>
@@ -9825,7 +9832,7 @@
           <a:bodyPr/>
           <a:p>
             <a:pPr marL="285750" indent="-285750">
-              <a:buFont typeface="Arial" panose="020B0604020202090204" pitchFamily="34" charset="0"/>
+              <a:buFont typeface="Arial" panose="020B0604020202020204" pitchFamily="34" charset="0"/>
               <a:buChar char="•"/>
             </a:pPr>
             <a:r>
@@ -9840,7 +9847,7 @@
           </a:p>
           <a:p>
             <a:pPr marL="285750" indent="-285750">
-              <a:buFont typeface="Arial" panose="020B0604020202090204" pitchFamily="34" charset="0"/>
+              <a:buFont typeface="Arial" panose="020B0604020202020204" pitchFamily="34" charset="0"/>
               <a:buChar char="•"/>
             </a:pPr>
             <a:r>
@@ -9857,7 +9864,7 @@
           </a:p>
           <a:p>
             <a:pPr marL="285750" indent="-285750">
-              <a:buFont typeface="Arial" panose="020B0604020202090204" pitchFamily="34" charset="0"/>
+              <a:buFont typeface="Arial" panose="020B0604020202020204" pitchFamily="34" charset="0"/>
               <a:buChar char="•"/>
             </a:pPr>
             <a:r>
@@ -10216,7 +10223,7 @@
           <a:bodyPr/>
           <a:p>
             <a:pPr marL="285750" indent="-285750">
-              <a:buFont typeface="Arial" panose="020B0604020202090204" pitchFamily="34" charset="0"/>
+              <a:buFont typeface="Arial" panose="020B0604020202020204" pitchFamily="34" charset="0"/>
               <a:buChar char="•"/>
             </a:pPr>
             <a:r>
@@ -10333,7 +10340,7 @@
             </a:r>
             <a:r>
               <a:rPr lang="zh-CN" altLang="en-US">
-                <a:hlinkClick r:id="rId2" tooltip="" action="ppaction://hlinkfile"/>
+                <a:hlinkClick r:id="rId2" action="ppaction://hlinkfile"/>
               </a:rPr>
               <a:t>路径追踪渲染器零基础实战开发（基础班）-第一节课</a:t>
             </a:r>
@@ -10516,7 +10523,7 @@
           <a:bodyPr/>
           <a:p>
             <a:pPr marL="285750" indent="-285750">
-              <a:buFont typeface="Arial" panose="020B0604020202090204" pitchFamily="34" charset="0"/>
+              <a:buFont typeface="Arial" panose="020B0604020202020204" pitchFamily="34" charset="0"/>
               <a:buChar char="•"/>
             </a:pPr>
             <a:r>
@@ -10531,7 +10538,7 @@
           </a:p>
           <a:p>
             <a:pPr marL="285750" indent="-285750">
-              <a:buFont typeface="Arial" panose="020B0604020202090204" pitchFamily="34" charset="0"/>
+              <a:buFont typeface="Arial" panose="020B0604020202020204" pitchFamily="34" charset="0"/>
               <a:buChar char="•"/>
             </a:pPr>
             <a:r>
@@ -11746,6 +11753,12 @@
   <p:tag name="KSO_WM_TEMPLATE_CATEGORY" val="custom"/>
   <p:tag name="KSO_WM_TEMPLATE_INDEX" val="20187308"/>
   <p:tag name="KSO_WM_SPECIAL_SOURCE" val="bdnull"/>
+</p:tagLst>
+</file>
+
+<file path=ppt/tags/tag88.xml><?xml version="1.0" encoding="utf-8"?>
+<p:tagLst xmlns:p="http://schemas.openxmlformats.org/presentationml/2006/main">
+  <p:tag name="KSO_DOCER_TEMPLATE_OPEN_ONCE_MARK" val="1"/>
 </p:tagLst>
 </file>
 
